--- a/presentations/2019-09 IG Training/Using Trifolia-on-FHIR to Profile and Create FHIR IGs - Sarah.pptx
+++ b/presentations/2019-09 IG Training/Using Trifolia-on-FHIR to Profile and Create FHIR IGs - Sarah.pptx
@@ -18,12 +18,12 @@
     <p:sldId id="262" r:id="rId6"/>
     <p:sldId id="263" r:id="rId7"/>
     <p:sldId id="264" r:id="rId8"/>
-    <p:sldId id="265" r:id="rId9"/>
-    <p:sldId id="266" r:id="rId10"/>
-    <p:sldId id="267" r:id="rId11"/>
-    <p:sldId id="268" r:id="rId12"/>
-    <p:sldId id="269" r:id="rId13"/>
-    <p:sldId id="270" r:id="rId14"/>
+    <p:sldId id="272" r:id="rId9"/>
+    <p:sldId id="265" r:id="rId10"/>
+    <p:sldId id="273" r:id="rId11"/>
+    <p:sldId id="274" r:id="rId12"/>
+    <p:sldId id="275" r:id="rId13"/>
+    <p:sldId id="276" r:id="rId14"/>
     <p:sldId id="271" r:id="rId15"/>
   </p:sldIdLst>
   <p:sldSz cx="12192000" cy="6858000"/>
@@ -269,7 +269,7 @@
           <a:p>
             <a:fld id="{DDFBBF1A-5C4C-4870-B444-F2EF0104FD55}" type="datetimeFigureOut">
               <a:rPr lang="en-CA" smtClean="0"/>
-              <a:t>2019-09-10</a:t>
+              <a:t>2019-09-11</a:t>
             </a:fld>
             <a:endParaRPr lang="en-CA"/>
           </a:p>
@@ -959,7 +959,7 @@
             <a:fld id="{B0DA872C-6838-4325-B31E-2A36B74B53EE}" type="datetime1">
               <a:rPr lang="en-CA" smtClean="0"/>
               <a:pPr/>
-              <a:t>2019-09-10</a:t>
+              <a:t>2019-09-11</a:t>
             </a:fld>
             <a:endParaRPr lang="en-US" dirty="0"/>
           </a:p>
@@ -1444,7 +1444,7 @@
             <a:fld id="{B0DA872C-6838-4325-B31E-2A36B74B53EE}" type="datetime1">
               <a:rPr lang="en-CA" smtClean="0"/>
               <a:pPr/>
-              <a:t>2019-09-10</a:t>
+              <a:t>2019-09-11</a:t>
             </a:fld>
             <a:endParaRPr lang="en-US" dirty="0"/>
           </a:p>
@@ -1632,7 +1632,7 @@
             <a:fld id="{B0DA872C-6838-4325-B31E-2A36B74B53EE}" type="datetime1">
               <a:rPr lang="en-CA" smtClean="0"/>
               <a:pPr/>
-              <a:t>2019-09-10</a:t>
+              <a:t>2019-09-11</a:t>
             </a:fld>
             <a:endParaRPr lang="en-US" dirty="0"/>
           </a:p>
@@ -1936,7 +1936,7 @@
             <a:fld id="{B0DA872C-6838-4325-B31E-2A36B74B53EE}" type="datetime1">
               <a:rPr lang="en-CA" smtClean="0"/>
               <a:pPr/>
-              <a:t>2019-09-10</a:t>
+              <a:t>2019-09-11</a:t>
             </a:fld>
             <a:endParaRPr lang="en-US" dirty="0"/>
           </a:p>
@@ -2348,7 +2348,7 @@
             <a:fld id="{B0DA872C-6838-4325-B31E-2A36B74B53EE}" type="datetime1">
               <a:rPr lang="en-CA" smtClean="0"/>
               <a:pPr/>
-              <a:t>2019-09-10</a:t>
+              <a:t>2019-09-11</a:t>
             </a:fld>
             <a:endParaRPr lang="en-US" dirty="0"/>
           </a:p>
@@ -2517,7 +2517,7 @@
             <a:fld id="{B0DA872C-6838-4325-B31E-2A36B74B53EE}" type="datetime1">
               <a:rPr lang="en-CA" smtClean="0"/>
               <a:pPr/>
-              <a:t>2019-09-10</a:t>
+              <a:t>2019-09-11</a:t>
             </a:fld>
             <a:endParaRPr lang="en-US" dirty="0"/>
           </a:p>
@@ -2700,7 +2700,7 @@
             <a:fld id="{B0DA872C-6838-4325-B31E-2A36B74B53EE}" type="datetime1">
               <a:rPr lang="en-CA" smtClean="0"/>
               <a:pPr/>
-              <a:t>2019-09-10</a:t>
+              <a:t>2019-09-11</a:t>
             </a:fld>
             <a:endParaRPr lang="en-US" dirty="0"/>
           </a:p>
@@ -3063,7 +3063,7 @@
             <a:fld id="{B0DA872C-6838-4325-B31E-2A36B74B53EE}" type="datetime1">
               <a:rPr lang="en-CA" smtClean="0"/>
               <a:pPr/>
-              <a:t>2019-09-10</a:t>
+              <a:t>2019-09-11</a:t>
             </a:fld>
             <a:endParaRPr lang="en-US" dirty="0"/>
           </a:p>
@@ -3406,7 +3406,7 @@
             <a:fld id="{B0DA872C-6838-4325-B31E-2A36B74B53EE}" type="datetime1">
               <a:rPr lang="en-CA" smtClean="0"/>
               <a:pPr/>
-              <a:t>2019-09-10</a:t>
+              <a:t>2019-09-11</a:t>
             </a:fld>
             <a:endParaRPr lang="en-US" dirty="0"/>
           </a:p>
@@ -3826,7 +3826,7 @@
             <a:fld id="{B0DA872C-6838-4325-B31E-2A36B74B53EE}" type="datetime1">
               <a:rPr lang="en-CA" smtClean="0"/>
               <a:pPr/>
-              <a:t>2019-09-10</a:t>
+              <a:t>2019-09-11</a:t>
             </a:fld>
             <a:endParaRPr lang="en-US" dirty="0"/>
           </a:p>
@@ -4696,7 +4696,7 @@
           <p:cNvPr id="2" name="Title 1">
             <a:extLst>
               <a:ext uri="{FF2B5EF4-FFF2-40B4-BE49-F238E27FC236}">
-                <a16:creationId xmlns:a16="http://schemas.microsoft.com/office/drawing/2014/main" id="{E97A1D09-2503-413A-827F-3684BE63EC39}"/>
+                <a16:creationId xmlns:a16="http://schemas.microsoft.com/office/drawing/2014/main" id="{92B27504-08E0-43E1-86F8-6263CD5649AA}"/>
               </a:ext>
             </a:extLst>
           </p:cNvPr>
@@ -4714,7 +4714,7 @@
           <a:p>
             <a:r>
               <a:rPr lang="en-AU" dirty="0"/>
-              <a:t>Creating and editing Terminology</a:t>
+              <a:t>Creating an Implementation Guide</a:t>
             </a:r>
             <a:endParaRPr lang="en-US" dirty="0"/>
           </a:p>
@@ -4722,33 +4722,184 @@
       </p:sp>
       <p:sp>
         <p:nvSpPr>
-          <p:cNvPr id="3" name="Content Placeholder 2">
+          <p:cNvPr id="3" name="TextBox 2">
             <a:extLst>
               <a:ext uri="{FF2B5EF4-FFF2-40B4-BE49-F238E27FC236}">
-                <a16:creationId xmlns:a16="http://schemas.microsoft.com/office/drawing/2014/main" id="{2BFDD3C5-6118-4FC6-A26F-B8BE33E3C55F}"/>
+                <a16:creationId xmlns:a16="http://schemas.microsoft.com/office/drawing/2014/main" id="{835D5677-59B8-4480-98F3-82290CB31D6F}"/>
               </a:ext>
             </a:extLst>
           </p:cNvPr>
-          <p:cNvSpPr>
-            <a:spLocks noGrp="1"/>
-          </p:cNvSpPr>
-          <p:nvPr>
-            <p:ph idx="1"/>
-          </p:nvPr>
-        </p:nvSpPr>
-        <p:spPr/>
-        <p:txBody>
-          <a:bodyPr/>
+          <p:cNvSpPr txBox="1"/>
+          <p:nvPr/>
+        </p:nvSpPr>
+        <p:spPr>
+          <a:xfrm>
+            <a:off x="623392" y="1772816"/>
+            <a:ext cx="3067719" cy="4247317"/>
+          </a:xfrm>
+          <a:prstGeom prst="rect">
+            <a:avLst/>
+          </a:prstGeom>
+          <a:noFill/>
+        </p:spPr>
+        <p:txBody>
+          <a:bodyPr wrap="square" rtlCol="0">
+            <a:spAutoFit/>
+          </a:bodyPr>
           <a:lstStyle/>
           <a:p>
-            <a:endParaRPr lang="en-US"/>
-          </a:p>
-        </p:txBody>
-      </p:sp>
+            <a:pPr marL="285750" indent="-285750">
+              <a:buFont typeface="Arial" panose="020B0604020202020204" pitchFamily="34" charset="0"/>
+              <a:buChar char="•"/>
+            </a:pPr>
+            <a:r>
+              <a:rPr lang="en-AU" dirty="0"/>
+              <a:t>Browse/Edit Implementation Guides</a:t>
+            </a:r>
+          </a:p>
+          <a:p>
+            <a:pPr marL="285750" indent="-285750">
+              <a:buFont typeface="Arial" panose="020B0604020202020204" pitchFamily="34" charset="0"/>
+              <a:buChar char="•"/>
+            </a:pPr>
+            <a:r>
+              <a:rPr lang="en-AU" dirty="0"/>
+              <a:t>Click on + icon</a:t>
+            </a:r>
+          </a:p>
+          <a:p>
+            <a:pPr marL="285750" indent="-285750">
+              <a:buFont typeface="Arial" panose="020B0604020202020204" pitchFamily="34" charset="0"/>
+              <a:buChar char="•"/>
+            </a:pPr>
+            <a:r>
+              <a:rPr lang="en-AU" dirty="0"/>
+              <a:t>On Quick tab</a:t>
+            </a:r>
+          </a:p>
+          <a:p>
+            <a:pPr marL="742950" lvl="1" indent="-285750">
+              <a:buFont typeface="Arial" panose="020B0604020202020204" pitchFamily="34" charset="0"/>
+              <a:buChar char="•"/>
+            </a:pPr>
+            <a:r>
+              <a:rPr lang="en-AU" dirty="0"/>
+              <a:t>Add the IG canonical </a:t>
+            </a:r>
+            <a:r>
+              <a:rPr lang="en-AU" dirty="0" err="1"/>
+              <a:t>url</a:t>
+            </a:r>
+            <a:endParaRPr lang="en-AU" dirty="0"/>
+          </a:p>
+          <a:p>
+            <a:pPr marL="742950" lvl="1" indent="-285750">
+              <a:buFont typeface="Arial" panose="020B0604020202020204" pitchFamily="34" charset="0"/>
+              <a:buChar char="•"/>
+            </a:pPr>
+            <a:r>
+              <a:rPr lang="en-AU" dirty="0"/>
+              <a:t>Add the IG name</a:t>
+            </a:r>
+            <a:endParaRPr lang="en-US" dirty="0"/>
+          </a:p>
+          <a:p>
+            <a:pPr marL="742950" lvl="1" indent="-285750">
+              <a:buFont typeface="Arial" panose="020B0604020202020204" pitchFamily="34" charset="0"/>
+              <a:buChar char="•"/>
+            </a:pPr>
+            <a:r>
+              <a:rPr lang="en-US" dirty="0"/>
+              <a:t>Add the package ID</a:t>
+            </a:r>
+          </a:p>
+          <a:p>
+            <a:pPr marL="742950" lvl="1" indent="-285750">
+              <a:buFont typeface="Arial" panose="020B0604020202020204" pitchFamily="34" charset="0"/>
+              <a:buChar char="•"/>
+            </a:pPr>
+            <a:r>
+              <a:rPr lang="en-US" dirty="0"/>
+              <a:t>Set the FHIR version (click +)</a:t>
+            </a:r>
+          </a:p>
+          <a:p>
+            <a:pPr marL="742950" lvl="1" indent="-285750">
+              <a:buFont typeface="Arial" panose="020B0604020202020204" pitchFamily="34" charset="0"/>
+              <a:buChar char="•"/>
+            </a:pPr>
+            <a:r>
+              <a:rPr lang="en-AU" dirty="0"/>
+              <a:t>Add description</a:t>
+            </a:r>
+          </a:p>
+          <a:p>
+            <a:pPr marL="742950" lvl="1" indent="-285750">
+              <a:buFont typeface="Arial" panose="020B0604020202020204" pitchFamily="34" charset="0"/>
+              <a:buChar char="•"/>
+            </a:pPr>
+            <a:r>
+              <a:rPr lang="en-AU" dirty="0"/>
+              <a:t>Add dependencies</a:t>
+            </a:r>
+          </a:p>
+          <a:p>
+            <a:pPr marL="742950" lvl="1" indent="-285750">
+              <a:buFont typeface="Arial" panose="020B0604020202020204" pitchFamily="34" charset="0"/>
+              <a:buChar char="•"/>
+            </a:pPr>
+            <a:r>
+              <a:rPr lang="en-AU" dirty="0"/>
+              <a:t>Add more metadata on the General tab</a:t>
+            </a:r>
+          </a:p>
+          <a:p>
+            <a:pPr marL="742950" lvl="1" indent="-285750">
+              <a:buFont typeface="Arial" panose="020B0604020202020204" pitchFamily="34" charset="0"/>
+              <a:buChar char="•"/>
+            </a:pPr>
+            <a:r>
+              <a:rPr lang="en-AU" dirty="0"/>
+              <a:t>SAVE</a:t>
+            </a:r>
+            <a:endParaRPr lang="en-US" dirty="0"/>
+          </a:p>
+        </p:txBody>
+      </p:sp>
+      <p:pic>
+        <p:nvPicPr>
+          <p:cNvPr id="5" name="Picture 4">
+            <a:extLst>
+              <a:ext uri="{FF2B5EF4-FFF2-40B4-BE49-F238E27FC236}">
+                <a16:creationId xmlns:a16="http://schemas.microsoft.com/office/drawing/2014/main" id="{7904C714-3A89-4DAA-9DD8-07427C0F7A85}"/>
+              </a:ext>
+            </a:extLst>
+          </p:cNvPr>
+          <p:cNvPicPr>
+            <a:picLocks noChangeAspect="1"/>
+          </p:cNvPicPr>
+          <p:nvPr/>
+        </p:nvPicPr>
+        <p:blipFill>
+          <a:blip r:embed="rId2"/>
+          <a:stretch>
+            <a:fillRect/>
+          </a:stretch>
+        </p:blipFill>
+        <p:spPr>
+          <a:xfrm>
+            <a:off x="4333652" y="1646386"/>
+            <a:ext cx="6760474" cy="4717355"/>
+          </a:xfrm>
+          <a:prstGeom prst="rect">
+            <a:avLst/>
+          </a:prstGeom>
+        </p:spPr>
+      </p:pic>
     </p:spTree>
     <p:extLst>
       <p:ext uri="{BB962C8B-B14F-4D97-AF65-F5344CB8AC3E}">
-        <p14:creationId xmlns:p14="http://schemas.microsoft.com/office/powerpoint/2010/main" val="1312625625"/>
+        <p14:creationId xmlns:p14="http://schemas.microsoft.com/office/powerpoint/2010/main" val="882857939"/>
       </p:ext>
     </p:extLst>
   </p:cSld>
@@ -4780,7 +4931,7 @@
           <p:cNvPr id="2" name="Title 1">
             <a:extLst>
               <a:ext uri="{FF2B5EF4-FFF2-40B4-BE49-F238E27FC236}">
-                <a16:creationId xmlns:a16="http://schemas.microsoft.com/office/drawing/2014/main" id="{30D1FD27-F466-49CF-B948-89B839051FA4}"/>
+                <a16:creationId xmlns:a16="http://schemas.microsoft.com/office/drawing/2014/main" id="{41F2FCD7-66D8-4CD6-8411-18BFD71248D4}"/>
               </a:ext>
             </a:extLst>
           </p:cNvPr>
@@ -4798,7 +4949,7 @@
           <a:p>
             <a:r>
               <a:rPr lang="en-AU" dirty="0"/>
-              <a:t>Importing files</a:t>
+              <a:t>Adding IG Resources</a:t>
             </a:r>
             <a:endParaRPr lang="en-US" dirty="0"/>
           </a:p>
@@ -4806,10 +4957,10 @@
       </p:sp>
       <p:sp>
         <p:nvSpPr>
-          <p:cNvPr id="3" name="Content Placeholder 2">
+          <p:cNvPr id="4" name="Slide Number Placeholder 3">
             <a:extLst>
               <a:ext uri="{FF2B5EF4-FFF2-40B4-BE49-F238E27FC236}">
-                <a16:creationId xmlns:a16="http://schemas.microsoft.com/office/drawing/2014/main" id="{96AA8BDD-334E-4B94-AA82-2BB514BAAB61}"/>
+                <a16:creationId xmlns:a16="http://schemas.microsoft.com/office/drawing/2014/main" id="{15EBBB7F-C667-4DFB-8AD0-52A37BBC9A8A}"/>
               </a:ext>
             </a:extLst>
           </p:cNvPr>
@@ -4817,7 +4968,7 @@
             <a:spLocks noGrp="1"/>
           </p:cNvSpPr>
           <p:nvPr>
-            <p:ph idx="1"/>
+            <p:ph type="sldNum" sz="quarter" idx="11"/>
           </p:nvPr>
         </p:nvSpPr>
         <p:spPr/>
@@ -4825,14 +4976,150 @@
           <a:bodyPr/>
           <a:lstStyle/>
           <a:p>
-            <a:endParaRPr lang="en-US"/>
+            <a:fld id="{DD8FDF0E-2772-4D89-9F72-F3CB15D8B8AB}" type="slidenum">
+              <a:rPr lang="en-US" smtClean="0"/>
+              <a:pPr/>
+              <a:t>11</a:t>
+            </a:fld>
+            <a:endParaRPr lang="en-US" dirty="0"/>
+          </a:p>
+        </p:txBody>
+      </p:sp>
+      <p:pic>
+        <p:nvPicPr>
+          <p:cNvPr id="6" name="Picture 5">
+            <a:extLst>
+              <a:ext uri="{FF2B5EF4-FFF2-40B4-BE49-F238E27FC236}">
+                <a16:creationId xmlns:a16="http://schemas.microsoft.com/office/drawing/2014/main" id="{98EAF2F7-B5D7-4554-B1DE-D2481427733F}"/>
+              </a:ext>
+            </a:extLst>
+          </p:cNvPr>
+          <p:cNvPicPr>
+            <a:picLocks noChangeAspect="1"/>
+          </p:cNvPicPr>
+          <p:nvPr/>
+        </p:nvPicPr>
+        <p:blipFill>
+          <a:blip r:embed="rId2"/>
+          <a:stretch>
+            <a:fillRect/>
+          </a:stretch>
+        </p:blipFill>
+        <p:spPr>
+          <a:xfrm>
+            <a:off x="7017110" y="2564904"/>
+            <a:ext cx="4606484" cy="3381171"/>
+          </a:xfrm>
+          <a:prstGeom prst="rect">
+            <a:avLst/>
+          </a:prstGeom>
+        </p:spPr>
+      </p:pic>
+      <p:pic>
+        <p:nvPicPr>
+          <p:cNvPr id="9" name="Picture 8">
+            <a:extLst>
+              <a:ext uri="{FF2B5EF4-FFF2-40B4-BE49-F238E27FC236}">
+                <a16:creationId xmlns:a16="http://schemas.microsoft.com/office/drawing/2014/main" id="{4E0FC2F8-DCB5-42FF-AC39-44A0DC435337}"/>
+              </a:ext>
+            </a:extLst>
+          </p:cNvPr>
+          <p:cNvPicPr>
+            <a:picLocks noChangeAspect="1"/>
+          </p:cNvPicPr>
+          <p:nvPr/>
+        </p:nvPicPr>
+        <p:blipFill>
+          <a:blip r:embed="rId3"/>
+          <a:stretch>
+            <a:fillRect/>
+          </a:stretch>
+        </p:blipFill>
+        <p:spPr>
+          <a:xfrm>
+            <a:off x="335360" y="1988840"/>
+            <a:ext cx="5980725" cy="4173259"/>
+          </a:xfrm>
+          <a:prstGeom prst="rect">
+            <a:avLst/>
+          </a:prstGeom>
+        </p:spPr>
+      </p:pic>
+      <p:sp>
+        <p:nvSpPr>
+          <p:cNvPr id="7" name="Arrow: Right 6">
+            <a:extLst>
+              <a:ext uri="{FF2B5EF4-FFF2-40B4-BE49-F238E27FC236}">
+                <a16:creationId xmlns:a16="http://schemas.microsoft.com/office/drawing/2014/main" id="{C05B13A6-5B4C-48D9-B6EE-725238CD53CE}"/>
+              </a:ext>
+            </a:extLst>
+          </p:cNvPr>
+          <p:cNvSpPr/>
+          <p:nvPr/>
+        </p:nvSpPr>
+        <p:spPr bwMode="auto">
+          <a:xfrm>
+            <a:off x="6189518" y="3140968"/>
+            <a:ext cx="890646" cy="251460"/>
+          </a:xfrm>
+          <a:prstGeom prst="rightArrow">
+            <a:avLst/>
+          </a:prstGeom>
+          <a:solidFill>
+            <a:schemeClr val="accent1"/>
+          </a:solidFill>
+          <a:ln w="9525" cap="flat" cmpd="sng" algn="ctr">
+            <a:solidFill>
+              <a:schemeClr val="tx1"/>
+            </a:solidFill>
+            <a:prstDash val="solid"/>
+            <a:round/>
+            <a:headEnd type="none" w="med" len="med"/>
+            <a:tailEnd type="none" w="med" len="med"/>
+          </a:ln>
+          <a:effectLst/>
+        </p:spPr>
+        <p:txBody>
+          <a:bodyPr vert="horz" wrap="square" lIns="91440" tIns="45720" rIns="91440" bIns="45720" numCol="1" rtlCol="0" anchor="t" anchorCtr="0" compatLnSpc="1">
+            <a:prstTxWarp prst="textNoShape">
+              <a:avLst/>
+            </a:prstTxWarp>
+          </a:bodyPr>
+          <a:lstStyle/>
+          <a:p>
+            <a:pPr marL="0" marR="0" indent="0" algn="l" defTabSz="914400" rtl="0" eaLnBrk="0" fontAlgn="base" latinLnBrk="0" hangingPunct="0">
+              <a:lnSpc>
+                <a:spcPct val="100000"/>
+              </a:lnSpc>
+              <a:spcBef>
+                <a:spcPct val="0"/>
+              </a:spcBef>
+              <a:spcAft>
+                <a:spcPct val="0"/>
+              </a:spcAft>
+              <a:buClrTx/>
+              <a:buSzTx/>
+              <a:buFontTx/>
+              <a:buNone/>
+              <a:tabLst/>
+            </a:pPr>
+            <a:endParaRPr kumimoji="0" lang="en-US" sz="1800" b="0" i="0" u="none" strike="noStrike" cap="none" normalizeH="0" baseline="0">
+              <a:ln>
+                <a:noFill/>
+              </a:ln>
+              <a:solidFill>
+                <a:schemeClr val="tx1"/>
+              </a:solidFill>
+              <a:effectLst/>
+              <a:latin typeface="Arial" charset="0"/>
+            </a:endParaRPr>
           </a:p>
         </p:txBody>
       </p:sp>
     </p:spTree>
     <p:extLst>
       <p:ext uri="{BB962C8B-B14F-4D97-AF65-F5344CB8AC3E}">
-        <p14:creationId xmlns:p14="http://schemas.microsoft.com/office/powerpoint/2010/main" val="3119057105"/>
+        <p14:creationId xmlns:p14="http://schemas.microsoft.com/office/powerpoint/2010/main" val="130847243"/>
       </p:ext>
     </p:extLst>
   </p:cSld>
@@ -4864,7 +5151,7 @@
           <p:cNvPr id="2" name="Title 1">
             <a:extLst>
               <a:ext uri="{FF2B5EF4-FFF2-40B4-BE49-F238E27FC236}">
-                <a16:creationId xmlns:a16="http://schemas.microsoft.com/office/drawing/2014/main" id="{21A78056-6EF4-4181-9800-C37573AC3E28}"/>
+                <a16:creationId xmlns:a16="http://schemas.microsoft.com/office/drawing/2014/main" id="{61FBBF5E-DF32-4334-A874-49B8759EE783}"/>
               </a:ext>
             </a:extLst>
           </p:cNvPr>
@@ -4875,14 +5162,19 @@
             <p:ph type="title"/>
           </p:nvPr>
         </p:nvSpPr>
-        <p:spPr/>
+        <p:spPr>
+          <a:xfrm>
+            <a:off x="623392" y="404813"/>
+            <a:ext cx="9329038" cy="822325"/>
+          </a:xfrm>
+        </p:spPr>
         <p:txBody>
           <a:bodyPr/>
           <a:lstStyle/>
           <a:p>
             <a:r>
               <a:rPr lang="en-AU" dirty="0"/>
-              <a:t>Publishing</a:t>
+              <a:t>Additional Actions</a:t>
             </a:r>
             <a:endParaRPr lang="en-US" dirty="0"/>
           </a:p>
@@ -4893,7 +5185,7 @@
           <p:cNvPr id="3" name="Content Placeholder 2">
             <a:extLst>
               <a:ext uri="{FF2B5EF4-FFF2-40B4-BE49-F238E27FC236}">
-                <a16:creationId xmlns:a16="http://schemas.microsoft.com/office/drawing/2014/main" id="{34F929E2-17B6-4DD2-8232-4AE26DEA9992}"/>
+                <a16:creationId xmlns:a16="http://schemas.microsoft.com/office/drawing/2014/main" id="{7C44FF8B-3CF9-4D74-A8C9-BCA465E3395A}"/>
               </a:ext>
             </a:extLst>
           </p:cNvPr>
@@ -4909,14 +5201,77 @@
           <a:bodyPr/>
           <a:lstStyle/>
           <a:p>
-            <a:endParaRPr lang="en-US"/>
+            <a:r>
+              <a:rPr lang="en-AU" dirty="0"/>
+              <a:t>Adding pages</a:t>
+            </a:r>
+          </a:p>
+          <a:p>
+            <a:r>
+              <a:rPr lang="en-AU" dirty="0"/>
+              <a:t>Creating and editing profiles</a:t>
+            </a:r>
+          </a:p>
+          <a:p>
+            <a:r>
+              <a:rPr lang="en-AU" dirty="0"/>
+              <a:t>Creating and editing terminology</a:t>
+            </a:r>
+          </a:p>
+          <a:p>
+            <a:r>
+              <a:rPr lang="en-AU" dirty="0"/>
+              <a:t>Importing files</a:t>
+            </a:r>
+          </a:p>
+          <a:p>
+            <a:r>
+              <a:rPr lang="en-AU" dirty="0"/>
+              <a:t>Publishing/Exporting</a:t>
+            </a:r>
+          </a:p>
+          <a:p>
+            <a:endParaRPr lang="en-AU" dirty="0"/>
+          </a:p>
+          <a:p>
+            <a:endParaRPr lang="en-US" dirty="0"/>
+          </a:p>
+        </p:txBody>
+      </p:sp>
+      <p:sp>
+        <p:nvSpPr>
+          <p:cNvPr id="4" name="Slide Number Placeholder 3">
+            <a:extLst>
+              <a:ext uri="{FF2B5EF4-FFF2-40B4-BE49-F238E27FC236}">
+                <a16:creationId xmlns:a16="http://schemas.microsoft.com/office/drawing/2014/main" id="{F99376C9-F9CF-423F-BCE5-8BF9DF0F36CF}"/>
+              </a:ext>
+            </a:extLst>
+          </p:cNvPr>
+          <p:cNvSpPr>
+            <a:spLocks noGrp="1"/>
+          </p:cNvSpPr>
+          <p:nvPr>
+            <p:ph type="sldNum" sz="quarter" idx="11"/>
+          </p:nvPr>
+        </p:nvSpPr>
+        <p:spPr/>
+        <p:txBody>
+          <a:bodyPr/>
+          <a:lstStyle/>
+          <a:p>
+            <a:fld id="{DD8FDF0E-2772-4D89-9F72-F3CB15D8B8AB}" type="slidenum">
+              <a:rPr lang="en-US" smtClean="0"/>
+              <a:pPr/>
+              <a:t>12</a:t>
+            </a:fld>
+            <a:endParaRPr lang="en-US" dirty="0"/>
           </a:p>
         </p:txBody>
       </p:sp>
     </p:spTree>
     <p:extLst>
       <p:ext uri="{BB962C8B-B14F-4D97-AF65-F5344CB8AC3E}">
-        <p14:creationId xmlns:p14="http://schemas.microsoft.com/office/powerpoint/2010/main" val="809721063"/>
+        <p14:creationId xmlns:p14="http://schemas.microsoft.com/office/powerpoint/2010/main" val="1590877582"/>
       </p:ext>
     </p:extLst>
   </p:cSld>
@@ -4948,7 +5303,7 @@
           <p:cNvPr id="2" name="Title 1">
             <a:extLst>
               <a:ext uri="{FF2B5EF4-FFF2-40B4-BE49-F238E27FC236}">
-                <a16:creationId xmlns:a16="http://schemas.microsoft.com/office/drawing/2014/main" id="{D4760977-89B8-4680-97F2-063F8D4CDBBD}"/>
+                <a16:creationId xmlns:a16="http://schemas.microsoft.com/office/drawing/2014/main" id="{69F2AD4B-2FD9-49F6-BE0E-2EBF05C81CC5}"/>
               </a:ext>
             </a:extLst>
           </p:cNvPr>
@@ -4966,7 +5321,7 @@
           <a:p>
             <a:r>
               <a:rPr lang="en-AU" dirty="0"/>
-              <a:t>Exporting</a:t>
+              <a:t>Publish IG</a:t>
             </a:r>
             <a:endParaRPr lang="en-US" dirty="0"/>
           </a:p>
@@ -4974,10 +5329,10 @@
       </p:sp>
       <p:sp>
         <p:nvSpPr>
-          <p:cNvPr id="3" name="Content Placeholder 2">
+          <p:cNvPr id="4" name="Slide Number Placeholder 3">
             <a:extLst>
               <a:ext uri="{FF2B5EF4-FFF2-40B4-BE49-F238E27FC236}">
-                <a16:creationId xmlns:a16="http://schemas.microsoft.com/office/drawing/2014/main" id="{3AD905D4-561C-4DF2-82F8-386685D9BD43}"/>
+                <a16:creationId xmlns:a16="http://schemas.microsoft.com/office/drawing/2014/main" id="{5AF4C73A-49F2-4F48-94B7-17A25006A5B7}"/>
               </a:ext>
             </a:extLst>
           </p:cNvPr>
@@ -4985,7 +5340,7 @@
             <a:spLocks noGrp="1"/>
           </p:cNvSpPr>
           <p:nvPr>
-            <p:ph idx="1"/>
+            <p:ph type="sldNum" sz="quarter" idx="11"/>
           </p:nvPr>
         </p:nvSpPr>
         <p:spPr/>
@@ -4993,14 +5348,693 @@
           <a:bodyPr/>
           <a:lstStyle/>
           <a:p>
-            <a:endParaRPr lang="en-US"/>
+            <a:fld id="{DD8FDF0E-2772-4D89-9F72-F3CB15D8B8AB}" type="slidenum">
+              <a:rPr lang="en-US" smtClean="0"/>
+              <a:pPr/>
+              <a:t>13</a:t>
+            </a:fld>
+            <a:endParaRPr lang="en-US" dirty="0"/>
+          </a:p>
+        </p:txBody>
+      </p:sp>
+      <p:pic>
+        <p:nvPicPr>
+          <p:cNvPr id="5" name="Picture 4">
+            <a:extLst>
+              <a:ext uri="{FF2B5EF4-FFF2-40B4-BE49-F238E27FC236}">
+                <a16:creationId xmlns:a16="http://schemas.microsoft.com/office/drawing/2014/main" id="{DC0E5F1D-C6A6-459F-B095-A4414C846CD5}"/>
+              </a:ext>
+            </a:extLst>
+          </p:cNvPr>
+          <p:cNvPicPr>
+            <a:picLocks noChangeAspect="1"/>
+          </p:cNvPicPr>
+          <p:nvPr/>
+        </p:nvPicPr>
+        <p:blipFill>
+          <a:blip r:embed="rId2"/>
+          <a:stretch>
+            <a:fillRect/>
+          </a:stretch>
+        </p:blipFill>
+        <p:spPr>
+          <a:xfrm>
+            <a:off x="4079776" y="1817184"/>
+            <a:ext cx="7681626" cy="4290432"/>
+          </a:xfrm>
+          <a:prstGeom prst="rect">
+            <a:avLst/>
+          </a:prstGeom>
+        </p:spPr>
+      </p:pic>
+      <p:sp>
+        <p:nvSpPr>
+          <p:cNvPr id="6" name="TextBox 5">
+            <a:extLst>
+              <a:ext uri="{FF2B5EF4-FFF2-40B4-BE49-F238E27FC236}">
+                <a16:creationId xmlns:a16="http://schemas.microsoft.com/office/drawing/2014/main" id="{069BB49C-A2F7-491D-A669-8771BA0B406E}"/>
+              </a:ext>
+            </a:extLst>
+          </p:cNvPr>
+          <p:cNvSpPr txBox="1"/>
+          <p:nvPr/>
+        </p:nvSpPr>
+        <p:spPr>
+          <a:xfrm>
+            <a:off x="508001" y="1988840"/>
+            <a:ext cx="3283743" cy="3139321"/>
+          </a:xfrm>
+          <a:prstGeom prst="rect">
+            <a:avLst/>
+          </a:prstGeom>
+          <a:noFill/>
+        </p:spPr>
+        <p:txBody>
+          <a:bodyPr wrap="square" rtlCol="0">
+            <a:spAutoFit/>
+          </a:bodyPr>
+          <a:lstStyle/>
+          <a:p>
+            <a:pPr marL="342900" indent="-342900">
+              <a:buFont typeface="+mj-lt"/>
+              <a:buAutoNum type="arabicPeriod"/>
+            </a:pPr>
+            <a:r>
+              <a:rPr lang="en-AU" dirty="0"/>
+              <a:t>Select IG</a:t>
+            </a:r>
+          </a:p>
+          <a:p>
+            <a:pPr marL="342900" indent="-342900">
+              <a:buFont typeface="+mj-lt"/>
+              <a:buAutoNum type="arabicPeriod"/>
+            </a:pPr>
+            <a:r>
+              <a:rPr lang="en-AU" dirty="0"/>
+              <a:t>Use most recent IG Publisher</a:t>
+            </a:r>
+          </a:p>
+          <a:p>
+            <a:pPr marL="342900" indent="-342900">
+              <a:buFont typeface="+mj-lt"/>
+              <a:buAutoNum type="arabicPeriod"/>
+            </a:pPr>
+            <a:r>
+              <a:rPr lang="en-AU" dirty="0"/>
+              <a:t>Use terminology server</a:t>
+            </a:r>
+          </a:p>
+          <a:p>
+            <a:pPr marL="342900" indent="-342900">
+              <a:buFont typeface="+mj-lt"/>
+              <a:buAutoNum type="arabicPeriod"/>
+            </a:pPr>
+            <a:r>
+              <a:rPr lang="en-AU" dirty="0"/>
+              <a:t>Include IG Publisher JAR in download (if downloading)</a:t>
+            </a:r>
+          </a:p>
+          <a:p>
+            <a:pPr marL="342900" indent="-342900">
+              <a:buFont typeface="+mj-lt"/>
+              <a:buAutoNum type="arabicPeriod"/>
+            </a:pPr>
+            <a:r>
+              <a:rPr lang="en-AU" dirty="0"/>
+              <a:t>Download IG (for local/CI build)</a:t>
+            </a:r>
+          </a:p>
+          <a:p>
+            <a:pPr marL="342900" indent="-342900">
+              <a:buFont typeface="+mj-lt"/>
+              <a:buAutoNum type="arabicPeriod"/>
+            </a:pPr>
+            <a:r>
+              <a:rPr lang="en-AU" dirty="0"/>
+              <a:t>Output of download (JSON or XML)</a:t>
+            </a:r>
+            <a:endParaRPr lang="en-US" dirty="0"/>
+          </a:p>
+        </p:txBody>
+      </p:sp>
+      <p:sp>
+        <p:nvSpPr>
+          <p:cNvPr id="7" name="Speech Bubble: Rectangle with Corners Rounded 6">
+            <a:extLst>
+              <a:ext uri="{FF2B5EF4-FFF2-40B4-BE49-F238E27FC236}">
+                <a16:creationId xmlns:a16="http://schemas.microsoft.com/office/drawing/2014/main" id="{22EB7667-F6BD-4D36-AD76-0E3AABA11F3B}"/>
+              </a:ext>
+            </a:extLst>
+          </p:cNvPr>
+          <p:cNvSpPr/>
+          <p:nvPr/>
+        </p:nvSpPr>
+        <p:spPr bwMode="auto">
+          <a:xfrm>
+            <a:off x="5611180" y="2276872"/>
+            <a:ext cx="360040" cy="360039"/>
+          </a:xfrm>
+          <a:prstGeom prst="wedgeRoundRectCallout">
+            <a:avLst>
+              <a:gd name="adj1" fmla="val -156449"/>
+              <a:gd name="adj2" fmla="val 121678"/>
+              <a:gd name="adj3" fmla="val 16667"/>
+            </a:avLst>
+          </a:prstGeom>
+          <a:ln>
+            <a:headEnd type="none" w="med" len="med"/>
+            <a:tailEnd type="none" w="med" len="med"/>
+          </a:ln>
+        </p:spPr>
+        <p:style>
+          <a:lnRef idx="2">
+            <a:schemeClr val="accent1"/>
+          </a:lnRef>
+          <a:fillRef idx="1">
+            <a:schemeClr val="lt1"/>
+          </a:fillRef>
+          <a:effectRef idx="0">
+            <a:schemeClr val="accent1"/>
+          </a:effectRef>
+          <a:fontRef idx="minor">
+            <a:schemeClr val="dk1"/>
+          </a:fontRef>
+        </p:style>
+        <p:txBody>
+          <a:bodyPr vert="horz" wrap="square" lIns="91440" tIns="45720" rIns="91440" bIns="45720" numCol="1" rtlCol="0" anchor="t" anchorCtr="0" compatLnSpc="1">
+            <a:prstTxWarp prst="textNoShape">
+              <a:avLst/>
+            </a:prstTxWarp>
+          </a:bodyPr>
+          <a:lstStyle/>
+          <a:p>
+            <a:pPr marL="0" marR="0" indent="0" algn="l" defTabSz="914400" rtl="0" eaLnBrk="0" fontAlgn="base" latinLnBrk="0" hangingPunct="0">
+              <a:lnSpc>
+                <a:spcPct val="100000"/>
+              </a:lnSpc>
+              <a:spcBef>
+                <a:spcPct val="0"/>
+              </a:spcBef>
+              <a:spcAft>
+                <a:spcPct val="0"/>
+              </a:spcAft>
+              <a:buClrTx/>
+              <a:buSzTx/>
+              <a:buFontTx/>
+              <a:buNone/>
+              <a:tabLst/>
+            </a:pPr>
+            <a:r>
+              <a:rPr kumimoji="0" lang="en-AU" sz="1800" b="0" i="0" u="none" strike="noStrike" cap="none" normalizeH="0" baseline="0" dirty="0">
+                <a:ln>
+                  <a:noFill/>
+                </a:ln>
+                <a:solidFill>
+                  <a:schemeClr val="tx1"/>
+                </a:solidFill>
+                <a:effectLst/>
+                <a:latin typeface="Arial" charset="0"/>
+              </a:rPr>
+              <a:t>1</a:t>
+            </a:r>
+            <a:endParaRPr kumimoji="0" lang="en-US" sz="1800" b="0" i="0" u="none" strike="noStrike" cap="none" normalizeH="0" baseline="0" dirty="0">
+              <a:ln>
+                <a:noFill/>
+              </a:ln>
+              <a:solidFill>
+                <a:schemeClr val="tx1"/>
+              </a:solidFill>
+              <a:effectLst/>
+              <a:latin typeface="Arial" charset="0"/>
+            </a:endParaRPr>
+          </a:p>
+        </p:txBody>
+      </p:sp>
+      <p:sp>
+        <p:nvSpPr>
+          <p:cNvPr id="8" name="Speech Bubble: Rectangle with Corners Rounded 7">
+            <a:extLst>
+              <a:ext uri="{FF2B5EF4-FFF2-40B4-BE49-F238E27FC236}">
+                <a16:creationId xmlns:a16="http://schemas.microsoft.com/office/drawing/2014/main" id="{5E7F0AC3-C212-4B8C-ACCF-686A79C1BE79}"/>
+              </a:ext>
+            </a:extLst>
+          </p:cNvPr>
+          <p:cNvSpPr/>
+          <p:nvPr/>
+        </p:nvSpPr>
+        <p:spPr bwMode="auto">
+          <a:xfrm>
+            <a:off x="5971220" y="4113076"/>
+            <a:ext cx="360040" cy="360039"/>
+          </a:xfrm>
+          <a:prstGeom prst="wedgeRoundRectCallout">
+            <a:avLst>
+              <a:gd name="adj1" fmla="val -156449"/>
+              <a:gd name="adj2" fmla="val 121678"/>
+              <a:gd name="adj3" fmla="val 16667"/>
+            </a:avLst>
+          </a:prstGeom>
+          <a:ln>
+            <a:headEnd type="none" w="med" len="med"/>
+            <a:tailEnd type="none" w="med" len="med"/>
+          </a:ln>
+        </p:spPr>
+        <p:style>
+          <a:lnRef idx="2">
+            <a:schemeClr val="accent1"/>
+          </a:lnRef>
+          <a:fillRef idx="1">
+            <a:schemeClr val="lt1"/>
+          </a:fillRef>
+          <a:effectRef idx="0">
+            <a:schemeClr val="accent1"/>
+          </a:effectRef>
+          <a:fontRef idx="minor">
+            <a:schemeClr val="dk1"/>
+          </a:fontRef>
+        </p:style>
+        <p:txBody>
+          <a:bodyPr vert="horz" wrap="square" lIns="91440" tIns="45720" rIns="91440" bIns="45720" numCol="1" rtlCol="0" anchor="t" anchorCtr="0" compatLnSpc="1">
+            <a:prstTxWarp prst="textNoShape">
+              <a:avLst/>
+            </a:prstTxWarp>
+          </a:bodyPr>
+          <a:lstStyle/>
+          <a:p>
+            <a:pPr marL="0" marR="0" indent="0" algn="l" defTabSz="914400" rtl="0" eaLnBrk="0" fontAlgn="base" latinLnBrk="0" hangingPunct="0">
+              <a:lnSpc>
+                <a:spcPct val="100000"/>
+              </a:lnSpc>
+              <a:spcBef>
+                <a:spcPct val="0"/>
+              </a:spcBef>
+              <a:spcAft>
+                <a:spcPct val="0"/>
+              </a:spcAft>
+              <a:buClrTx/>
+              <a:buSzTx/>
+              <a:buFontTx/>
+              <a:buNone/>
+              <a:tabLst/>
+            </a:pPr>
+            <a:r>
+              <a:rPr kumimoji="0" lang="en-AU" sz="1800" b="0" i="0" u="none" strike="noStrike" cap="none" normalizeH="0" baseline="0" dirty="0">
+                <a:ln>
+                  <a:noFill/>
+                </a:ln>
+                <a:solidFill>
+                  <a:schemeClr val="tx1"/>
+                </a:solidFill>
+                <a:effectLst/>
+                <a:latin typeface="Arial" charset="0"/>
+              </a:rPr>
+              <a:t>4</a:t>
+            </a:r>
+            <a:endParaRPr kumimoji="0" lang="en-US" sz="1800" b="0" i="0" u="none" strike="noStrike" cap="none" normalizeH="0" baseline="0" dirty="0">
+              <a:ln>
+                <a:noFill/>
+              </a:ln>
+              <a:solidFill>
+                <a:schemeClr val="tx1"/>
+              </a:solidFill>
+              <a:effectLst/>
+              <a:latin typeface="Arial" charset="0"/>
+            </a:endParaRPr>
+          </a:p>
+        </p:txBody>
+      </p:sp>
+      <p:sp>
+        <p:nvSpPr>
+          <p:cNvPr id="10" name="Speech Bubble: Rectangle with Corners Rounded 9">
+            <a:extLst>
+              <a:ext uri="{FF2B5EF4-FFF2-40B4-BE49-F238E27FC236}">
+                <a16:creationId xmlns:a16="http://schemas.microsoft.com/office/drawing/2014/main" id="{5D3AC215-CECF-43AC-829A-E23547FC383E}"/>
+              </a:ext>
+            </a:extLst>
+          </p:cNvPr>
+          <p:cNvSpPr/>
+          <p:nvPr/>
+        </p:nvSpPr>
+        <p:spPr bwMode="auto">
+          <a:xfrm>
+            <a:off x="9476999" y="3378480"/>
+            <a:ext cx="360040" cy="360039"/>
+          </a:xfrm>
+          <a:prstGeom prst="wedgeRoundRectCallout">
+            <a:avLst>
+              <a:gd name="adj1" fmla="val -156449"/>
+              <a:gd name="adj2" fmla="val 121678"/>
+              <a:gd name="adj3" fmla="val 16667"/>
+            </a:avLst>
+          </a:prstGeom>
+          <a:ln>
+            <a:headEnd type="none" w="med" len="med"/>
+            <a:tailEnd type="none" w="med" len="med"/>
+          </a:ln>
+        </p:spPr>
+        <p:style>
+          <a:lnRef idx="2">
+            <a:schemeClr val="accent1"/>
+          </a:lnRef>
+          <a:fillRef idx="1">
+            <a:schemeClr val="lt1"/>
+          </a:fillRef>
+          <a:effectRef idx="0">
+            <a:schemeClr val="accent1"/>
+          </a:effectRef>
+          <a:fontRef idx="minor">
+            <a:schemeClr val="dk1"/>
+          </a:fontRef>
+        </p:style>
+        <p:txBody>
+          <a:bodyPr vert="horz" wrap="square" lIns="91440" tIns="45720" rIns="91440" bIns="45720" numCol="1" rtlCol="0" anchor="t" anchorCtr="0" compatLnSpc="1">
+            <a:prstTxWarp prst="textNoShape">
+              <a:avLst/>
+            </a:prstTxWarp>
+          </a:bodyPr>
+          <a:lstStyle/>
+          <a:p>
+            <a:pPr marL="0" marR="0" indent="0" algn="l" defTabSz="914400" rtl="0" eaLnBrk="0" fontAlgn="base" latinLnBrk="0" hangingPunct="0">
+              <a:lnSpc>
+                <a:spcPct val="100000"/>
+              </a:lnSpc>
+              <a:spcBef>
+                <a:spcPct val="0"/>
+              </a:spcBef>
+              <a:spcAft>
+                <a:spcPct val="0"/>
+              </a:spcAft>
+              <a:buClrTx/>
+              <a:buSzTx/>
+              <a:buFontTx/>
+              <a:buNone/>
+              <a:tabLst/>
+            </a:pPr>
+            <a:r>
+              <a:rPr kumimoji="0" lang="en-AU" sz="1800" b="0" i="0" u="none" strike="noStrike" cap="none" normalizeH="0" baseline="0" dirty="0">
+                <a:ln>
+                  <a:noFill/>
+                </a:ln>
+                <a:solidFill>
+                  <a:schemeClr val="tx1"/>
+                </a:solidFill>
+                <a:effectLst/>
+                <a:latin typeface="Arial" charset="0"/>
+              </a:rPr>
+              <a:t>3</a:t>
+            </a:r>
+            <a:endParaRPr kumimoji="0" lang="en-US" sz="1800" b="0" i="0" u="none" strike="noStrike" cap="none" normalizeH="0" baseline="0" dirty="0">
+              <a:ln>
+                <a:noFill/>
+              </a:ln>
+              <a:solidFill>
+                <a:schemeClr val="tx1"/>
+              </a:solidFill>
+              <a:effectLst/>
+              <a:latin typeface="Arial" charset="0"/>
+            </a:endParaRPr>
+          </a:p>
+        </p:txBody>
+      </p:sp>
+      <p:sp>
+        <p:nvSpPr>
+          <p:cNvPr id="11" name="Speech Bubble: Rectangle with Corners Rounded 10">
+            <a:extLst>
+              <a:ext uri="{FF2B5EF4-FFF2-40B4-BE49-F238E27FC236}">
+                <a16:creationId xmlns:a16="http://schemas.microsoft.com/office/drawing/2014/main" id="{2A02D6CD-793B-42CF-8089-1ABAD194E06A}"/>
+              </a:ext>
+            </a:extLst>
+          </p:cNvPr>
+          <p:cNvSpPr/>
+          <p:nvPr/>
+        </p:nvSpPr>
+        <p:spPr bwMode="auto">
+          <a:xfrm>
+            <a:off x="8904312" y="4293096"/>
+            <a:ext cx="360040" cy="360039"/>
+          </a:xfrm>
+          <a:prstGeom prst="wedgeRoundRectCallout">
+            <a:avLst>
+              <a:gd name="adj1" fmla="val -156449"/>
+              <a:gd name="adj2" fmla="val 121678"/>
+              <a:gd name="adj3" fmla="val 16667"/>
+            </a:avLst>
+          </a:prstGeom>
+          <a:ln>
+            <a:headEnd type="none" w="med" len="med"/>
+            <a:tailEnd type="none" w="med" len="med"/>
+          </a:ln>
+        </p:spPr>
+        <p:style>
+          <a:lnRef idx="2">
+            <a:schemeClr val="accent1"/>
+          </a:lnRef>
+          <a:fillRef idx="1">
+            <a:schemeClr val="lt1"/>
+          </a:fillRef>
+          <a:effectRef idx="0">
+            <a:schemeClr val="accent1"/>
+          </a:effectRef>
+          <a:fontRef idx="minor">
+            <a:schemeClr val="dk1"/>
+          </a:fontRef>
+        </p:style>
+        <p:txBody>
+          <a:bodyPr vert="horz" wrap="square" lIns="91440" tIns="45720" rIns="91440" bIns="45720" numCol="1" rtlCol="0" anchor="t" anchorCtr="0" compatLnSpc="1">
+            <a:prstTxWarp prst="textNoShape">
+              <a:avLst/>
+            </a:prstTxWarp>
+          </a:bodyPr>
+          <a:lstStyle/>
+          <a:p>
+            <a:pPr marL="0" marR="0" indent="0" algn="l" defTabSz="914400" rtl="0" eaLnBrk="0" fontAlgn="base" latinLnBrk="0" hangingPunct="0">
+              <a:lnSpc>
+                <a:spcPct val="100000"/>
+              </a:lnSpc>
+              <a:spcBef>
+                <a:spcPct val="0"/>
+              </a:spcBef>
+              <a:spcAft>
+                <a:spcPct val="0"/>
+              </a:spcAft>
+              <a:buClrTx/>
+              <a:buSzTx/>
+              <a:buFontTx/>
+              <a:buNone/>
+              <a:tabLst/>
+            </a:pPr>
+            <a:r>
+              <a:rPr kumimoji="0" lang="en-AU" sz="1800" b="0" i="0" u="none" strike="noStrike" cap="none" normalizeH="0" baseline="0" dirty="0">
+                <a:ln>
+                  <a:noFill/>
+                </a:ln>
+                <a:solidFill>
+                  <a:schemeClr val="tx1"/>
+                </a:solidFill>
+                <a:effectLst/>
+                <a:latin typeface="Arial" charset="0"/>
+              </a:rPr>
+              <a:t>5</a:t>
+            </a:r>
+            <a:endParaRPr kumimoji="0" lang="en-US" sz="1800" b="0" i="0" u="none" strike="noStrike" cap="none" normalizeH="0" baseline="0" dirty="0">
+              <a:ln>
+                <a:noFill/>
+              </a:ln>
+              <a:solidFill>
+                <a:schemeClr val="tx1"/>
+              </a:solidFill>
+              <a:effectLst/>
+              <a:latin typeface="Arial" charset="0"/>
+            </a:endParaRPr>
+          </a:p>
+        </p:txBody>
+      </p:sp>
+      <p:sp>
+        <p:nvSpPr>
+          <p:cNvPr id="12" name="Speech Bubble: Rectangle with Corners Rounded 11">
+            <a:extLst>
+              <a:ext uri="{FF2B5EF4-FFF2-40B4-BE49-F238E27FC236}">
+                <a16:creationId xmlns:a16="http://schemas.microsoft.com/office/drawing/2014/main" id="{626979A3-4810-423A-BDA0-7256E3CDDDF7}"/>
+              </a:ext>
+            </a:extLst>
+          </p:cNvPr>
+          <p:cNvSpPr/>
+          <p:nvPr/>
+        </p:nvSpPr>
+        <p:spPr bwMode="auto">
+          <a:xfrm>
+            <a:off x="8256240" y="5085184"/>
+            <a:ext cx="360040" cy="360039"/>
+          </a:xfrm>
+          <a:prstGeom prst="wedgeRoundRectCallout">
+            <a:avLst>
+              <a:gd name="adj1" fmla="val -165309"/>
+              <a:gd name="adj2" fmla="val 36036"/>
+              <a:gd name="adj3" fmla="val 16667"/>
+            </a:avLst>
+          </a:prstGeom>
+          <a:ln>
+            <a:headEnd type="none" w="med" len="med"/>
+            <a:tailEnd type="none" w="med" len="med"/>
+          </a:ln>
+        </p:spPr>
+        <p:style>
+          <a:lnRef idx="2">
+            <a:schemeClr val="accent1"/>
+          </a:lnRef>
+          <a:fillRef idx="1">
+            <a:schemeClr val="lt1"/>
+          </a:fillRef>
+          <a:effectRef idx="0">
+            <a:schemeClr val="accent1"/>
+          </a:effectRef>
+          <a:fontRef idx="minor">
+            <a:schemeClr val="dk1"/>
+          </a:fontRef>
+        </p:style>
+        <p:txBody>
+          <a:bodyPr vert="horz" wrap="square" lIns="91440" tIns="45720" rIns="91440" bIns="45720" numCol="1" rtlCol="0" anchor="t" anchorCtr="0" compatLnSpc="1">
+            <a:prstTxWarp prst="textNoShape">
+              <a:avLst/>
+            </a:prstTxWarp>
+          </a:bodyPr>
+          <a:lstStyle/>
+          <a:p>
+            <a:pPr marL="0" marR="0" indent="0" algn="l" defTabSz="914400" rtl="0" eaLnBrk="0" fontAlgn="base" latinLnBrk="0" hangingPunct="0">
+              <a:lnSpc>
+                <a:spcPct val="100000"/>
+              </a:lnSpc>
+              <a:spcBef>
+                <a:spcPct val="0"/>
+              </a:spcBef>
+              <a:spcAft>
+                <a:spcPct val="0"/>
+              </a:spcAft>
+              <a:buClrTx/>
+              <a:buSzTx/>
+              <a:buFontTx/>
+              <a:buNone/>
+              <a:tabLst/>
+            </a:pPr>
+            <a:r>
+              <a:rPr lang="en-AU" dirty="0">
+                <a:solidFill>
+                  <a:schemeClr val="tx1"/>
+                </a:solidFill>
+                <a:latin typeface="Arial" charset="0"/>
+              </a:rPr>
+              <a:t>6</a:t>
+            </a:r>
+            <a:endParaRPr kumimoji="0" lang="en-US" sz="1800" b="0" i="0" u="none" strike="noStrike" cap="none" normalizeH="0" baseline="0" dirty="0">
+              <a:ln>
+                <a:noFill/>
+              </a:ln>
+              <a:solidFill>
+                <a:schemeClr val="tx1"/>
+              </a:solidFill>
+              <a:effectLst/>
+              <a:latin typeface="Arial" charset="0"/>
+            </a:endParaRPr>
+          </a:p>
+        </p:txBody>
+      </p:sp>
+      <p:sp>
+        <p:nvSpPr>
+          <p:cNvPr id="13" name="Speech Bubble: Rectangle with Corners Rounded 12">
+            <a:extLst>
+              <a:ext uri="{FF2B5EF4-FFF2-40B4-BE49-F238E27FC236}">
+                <a16:creationId xmlns:a16="http://schemas.microsoft.com/office/drawing/2014/main" id="{4E5519A5-6401-4597-8BF4-7B02E5AA250F}"/>
+              </a:ext>
+            </a:extLst>
+          </p:cNvPr>
+          <p:cNvSpPr/>
+          <p:nvPr/>
+        </p:nvSpPr>
+        <p:spPr bwMode="auto">
+          <a:xfrm>
+            <a:off x="6096000" y="3132368"/>
+            <a:ext cx="360040" cy="360039"/>
+          </a:xfrm>
+          <a:prstGeom prst="wedgeRoundRectCallout">
+            <a:avLst>
+              <a:gd name="adj1" fmla="val -156449"/>
+              <a:gd name="adj2" fmla="val 121678"/>
+              <a:gd name="adj3" fmla="val 16667"/>
+            </a:avLst>
+          </a:prstGeom>
+          <a:ln>
+            <a:headEnd type="none" w="med" len="med"/>
+            <a:tailEnd type="none" w="med" len="med"/>
+          </a:ln>
+        </p:spPr>
+        <p:style>
+          <a:lnRef idx="2">
+            <a:schemeClr val="accent1"/>
+          </a:lnRef>
+          <a:fillRef idx="1">
+            <a:schemeClr val="lt1"/>
+          </a:fillRef>
+          <a:effectRef idx="0">
+            <a:schemeClr val="accent1"/>
+          </a:effectRef>
+          <a:fontRef idx="minor">
+            <a:schemeClr val="dk1"/>
+          </a:fontRef>
+        </p:style>
+        <p:txBody>
+          <a:bodyPr vert="horz" wrap="square" lIns="91440" tIns="45720" rIns="91440" bIns="45720" numCol="1" rtlCol="0" anchor="t" anchorCtr="0" compatLnSpc="1">
+            <a:prstTxWarp prst="textNoShape">
+              <a:avLst/>
+            </a:prstTxWarp>
+          </a:bodyPr>
+          <a:lstStyle/>
+          <a:p>
+            <a:pPr marL="0" marR="0" indent="0" algn="l" defTabSz="914400" rtl="0" eaLnBrk="0" fontAlgn="base" latinLnBrk="0" hangingPunct="0">
+              <a:lnSpc>
+                <a:spcPct val="100000"/>
+              </a:lnSpc>
+              <a:spcBef>
+                <a:spcPct val="0"/>
+              </a:spcBef>
+              <a:spcAft>
+                <a:spcPct val="0"/>
+              </a:spcAft>
+              <a:buClrTx/>
+              <a:buSzTx/>
+              <a:buFontTx/>
+              <a:buNone/>
+              <a:tabLst/>
+            </a:pPr>
+            <a:r>
+              <a:rPr kumimoji="0" lang="en-AU" sz="1800" b="0" i="0" u="none" strike="noStrike" cap="none" normalizeH="0" baseline="0" dirty="0">
+                <a:ln>
+                  <a:noFill/>
+                </a:ln>
+                <a:solidFill>
+                  <a:schemeClr val="tx1"/>
+                </a:solidFill>
+                <a:effectLst/>
+                <a:latin typeface="Arial" charset="0"/>
+              </a:rPr>
+              <a:t>2</a:t>
+            </a:r>
+            <a:endParaRPr kumimoji="0" lang="en-US" sz="1800" b="0" i="0" u="none" strike="noStrike" cap="none" normalizeH="0" baseline="0" dirty="0">
+              <a:ln>
+                <a:noFill/>
+              </a:ln>
+              <a:solidFill>
+                <a:schemeClr val="tx1"/>
+              </a:solidFill>
+              <a:effectLst/>
+              <a:latin typeface="Arial" charset="0"/>
+            </a:endParaRPr>
           </a:p>
         </p:txBody>
       </p:sp>
     </p:spTree>
     <p:extLst>
       <p:ext uri="{BB962C8B-B14F-4D97-AF65-F5344CB8AC3E}">
-        <p14:creationId xmlns:p14="http://schemas.microsoft.com/office/powerpoint/2010/main" val="692656254"/>
+        <p14:creationId xmlns:p14="http://schemas.microsoft.com/office/powerpoint/2010/main" val="2059802589"/>
       </p:ext>
     </p:extLst>
   </p:cSld>
@@ -5358,7 +6392,13 @@
               <a:rPr lang="en-CA" dirty="0">
                 <a:hlinkClick r:id="rId2"/>
               </a:rPr>
-              <a:t>https://github.com/FHIR/documents/blob/master/presentations/???.pptx</a:t>
+              <a:t>https://github.com/FHIR/documents/blob/master/presentations/2019-09 IG Training/</a:t>
+            </a:r>
+            <a:r>
+              <a:rPr lang="en-US" dirty="0">
+                <a:hlinkClick r:id="rId2"/>
+              </a:rPr>
+              <a:t>Using Trifolia-on-FHIR to Profile and Create FHIR IGs - Sarah.pptx</a:t>
             </a:r>
             <a:endParaRPr lang="en-CA" dirty="0"/>
           </a:p>
@@ -5675,79 +6715,79 @@
           <a:lstStyle/>
           <a:p>
             <a:r>
-              <a:rPr lang="en-AU" dirty="0"/>
+              <a:rPr lang="en-AU" sz="2800" dirty="0"/>
               <a:t>Define resources needed for an IG</a:t>
             </a:r>
           </a:p>
           <a:p>
             <a:pPr lvl="1"/>
             <a:r>
-              <a:rPr lang="en-AU" dirty="0"/>
+              <a:rPr lang="en-AU" sz="2400" dirty="0"/>
               <a:t>Implementation Guide</a:t>
             </a:r>
           </a:p>
           <a:p>
             <a:pPr lvl="1"/>
             <a:r>
-              <a:rPr lang="en-AU" dirty="0"/>
+              <a:rPr lang="en-AU" sz="2400" dirty="0"/>
               <a:t>Use Case Profiles (StructureDefinition)</a:t>
             </a:r>
           </a:p>
           <a:p>
             <a:pPr lvl="1"/>
             <a:r>
-              <a:rPr lang="en-AU" dirty="0"/>
+              <a:rPr lang="en-AU" sz="2400" dirty="0"/>
               <a:t>Terminology (</a:t>
             </a:r>
             <a:r>
-              <a:rPr lang="en-AU" dirty="0" err="1"/>
+              <a:rPr lang="en-AU" sz="2400" dirty="0" err="1"/>
               <a:t>ValueSet</a:t>
             </a:r>
             <a:r>
-              <a:rPr lang="en-AU" dirty="0"/>
+              <a:rPr lang="en-AU" sz="2400" dirty="0"/>
               <a:t>, CodeSystem)</a:t>
             </a:r>
           </a:p>
           <a:p>
             <a:pPr lvl="1"/>
             <a:r>
-              <a:rPr lang="en-US" dirty="0"/>
+              <a:rPr lang="en-US" sz="2400" dirty="0"/>
               <a:t>Conformance statements etc.</a:t>
             </a:r>
           </a:p>
           <a:p>
             <a:r>
-              <a:rPr lang="en-US" dirty="0"/>
+              <a:rPr lang="en-US" sz="2800" dirty="0"/>
               <a:t>Develop the structure of the IG</a:t>
             </a:r>
           </a:p>
           <a:p>
             <a:pPr lvl="1"/>
             <a:r>
-              <a:rPr lang="en-US" dirty="0"/>
+              <a:rPr lang="en-US" sz="2400" dirty="0"/>
               <a:t>Page Structure</a:t>
             </a:r>
           </a:p>
           <a:p>
             <a:pPr lvl="1"/>
             <a:r>
-              <a:rPr lang="en-US" dirty="0"/>
+              <a:rPr lang="en-US" sz="2400" dirty="0"/>
               <a:t>Narrative guidance</a:t>
             </a:r>
           </a:p>
           <a:p>
             <a:r>
-              <a:rPr lang="en-US" dirty="0"/>
+              <a:rPr lang="en-US" sz="2800" dirty="0"/>
               <a:t>Run the IG Publisher to publish the IG</a:t>
             </a:r>
           </a:p>
           <a:p>
             <a:pPr lvl="1"/>
             <a:r>
-              <a:rPr lang="en-US" dirty="0"/>
+              <a:rPr lang="en-US" sz="2400" dirty="0"/>
               <a:t>Results in a set of HTML pages that can be posted to a web server</a:t>
             </a:r>
-            <a:endParaRPr lang="en-AU" dirty="0"/>
+            <a:endParaRPr lang="en-AU" sz="2400" dirty="0"/>
           </a:p>
         </p:txBody>
       </p:sp>
@@ -5947,64 +6987,64 @@
           <a:lstStyle/>
           <a:p>
             <a:r>
-              <a:rPr lang="en-AU" dirty="0"/>
+              <a:rPr lang="en-AU" sz="2800" dirty="0"/>
               <a:t>Create and edit an ImplementationGuide</a:t>
             </a:r>
           </a:p>
           <a:p>
             <a:r>
-              <a:rPr lang="en-AU" dirty="0"/>
+              <a:rPr lang="en-AU" sz="2800" dirty="0"/>
               <a:t>Create and edit profiles and extensions (StructureDefinition)</a:t>
             </a:r>
           </a:p>
           <a:p>
             <a:r>
-              <a:rPr lang="en-AU" dirty="0"/>
+              <a:rPr lang="en-AU" sz="2800" dirty="0"/>
               <a:t>Add resources to an ImplementationGuide</a:t>
             </a:r>
           </a:p>
           <a:p>
             <a:r>
-              <a:rPr lang="en-AU" dirty="0"/>
+              <a:rPr lang="en-AU" sz="2800" dirty="0"/>
               <a:t>Create and edit the pages and narrative content of an IG</a:t>
             </a:r>
           </a:p>
           <a:p>
             <a:r>
-              <a:rPr lang="en-AU" dirty="0"/>
+              <a:rPr lang="en-AU" sz="2800" dirty="0"/>
               <a:t>Publish the IG (using the HL7 IG Publisher)</a:t>
             </a:r>
           </a:p>
           <a:p>
             <a:pPr lvl="1"/>
             <a:r>
-              <a:rPr lang="en-AU" dirty="0"/>
+              <a:rPr lang="en-AU" sz="2400" dirty="0"/>
               <a:t>Run the FHIR IG Publisher right in </a:t>
             </a:r>
             <a:r>
-              <a:rPr lang="en-AU" dirty="0" err="1"/>
+              <a:rPr lang="en-AU" sz="2400" dirty="0" err="1"/>
               <a:t>ToF</a:t>
             </a:r>
-            <a:endParaRPr lang="en-AU" dirty="0"/>
+            <a:endParaRPr lang="en-AU" sz="2400" dirty="0"/>
           </a:p>
           <a:p>
             <a:pPr lvl="1"/>
             <a:r>
-              <a:rPr lang="en-AU" dirty="0"/>
+              <a:rPr lang="en-AU" sz="2400" dirty="0"/>
               <a:t>View the resulting IG</a:t>
             </a:r>
           </a:p>
           <a:p>
             <a:pPr lvl="1"/>
             <a:r>
-              <a:rPr lang="en-AU" dirty="0"/>
+              <a:rPr lang="en-AU" sz="2400" dirty="0"/>
               <a:t>QA and validate </a:t>
             </a:r>
           </a:p>
           <a:p>
             <a:pPr lvl="1"/>
             <a:r>
-              <a:rPr lang="en-AU" dirty="0"/>
+              <a:rPr lang="en-AU" sz="2400" dirty="0"/>
               <a:t>Export all files needed to publish the IG elsewhere (like the FHIR CI build)</a:t>
             </a:r>
           </a:p>
@@ -6053,7 +7093,7 @@
           <p:cNvPr id="2" name="Title 1">
             <a:extLst>
               <a:ext uri="{FF2B5EF4-FFF2-40B4-BE49-F238E27FC236}">
-                <a16:creationId xmlns:a16="http://schemas.microsoft.com/office/drawing/2014/main" id="{92B27504-08E0-43E1-86F8-6263CD5649AA}"/>
+                <a16:creationId xmlns:a16="http://schemas.microsoft.com/office/drawing/2014/main" id="{6E30B543-4769-4B5D-BD36-28A11DDE3E54}"/>
               </a:ext>
             </a:extLst>
           </p:cNvPr>
@@ -6071,7 +7111,7 @@
           <a:p>
             <a:r>
               <a:rPr lang="en-AU" dirty="0"/>
-              <a:t>Creating and editing an Implementation Guide</a:t>
+              <a:t>Browse Implementation Guides</a:t>
             </a:r>
             <a:endParaRPr lang="en-US" dirty="0"/>
           </a:p>
@@ -6079,10 +7119,10 @@
       </p:sp>
       <p:sp>
         <p:nvSpPr>
-          <p:cNvPr id="3" name="Content Placeholder 2">
+          <p:cNvPr id="4" name="Slide Number Placeholder 3">
             <a:extLst>
               <a:ext uri="{FF2B5EF4-FFF2-40B4-BE49-F238E27FC236}">
-                <a16:creationId xmlns:a16="http://schemas.microsoft.com/office/drawing/2014/main" id="{66E54BEA-C03A-4809-B32F-D7F06BA0B2D0}"/>
+                <a16:creationId xmlns:a16="http://schemas.microsoft.com/office/drawing/2014/main" id="{13A84D0A-25BD-426D-9AE0-6679E0455875}"/>
               </a:ext>
             </a:extLst>
           </p:cNvPr>
@@ -6090,7 +7130,7 @@
             <a:spLocks noGrp="1"/>
           </p:cNvSpPr>
           <p:nvPr>
-            <p:ph idx="1"/>
+            <p:ph type="sldNum" sz="quarter" idx="11"/>
           </p:nvPr>
         </p:nvSpPr>
         <p:spPr/>
@@ -6098,14 +7138,720 @@
           <a:bodyPr/>
           <a:lstStyle/>
           <a:p>
+            <a:fld id="{DD8FDF0E-2772-4D89-9F72-F3CB15D8B8AB}" type="slidenum">
+              <a:rPr lang="en-US" smtClean="0"/>
+              <a:pPr/>
+              <a:t>8</a:t>
+            </a:fld>
             <a:endParaRPr lang="en-US" dirty="0"/>
+          </a:p>
+        </p:txBody>
+      </p:sp>
+      <p:pic>
+        <p:nvPicPr>
+          <p:cNvPr id="7" name="Picture 6">
+            <a:extLst>
+              <a:ext uri="{FF2B5EF4-FFF2-40B4-BE49-F238E27FC236}">
+                <a16:creationId xmlns:a16="http://schemas.microsoft.com/office/drawing/2014/main" id="{B61E9D7D-43A1-429B-B409-279EBADC8307}"/>
+              </a:ext>
+            </a:extLst>
+          </p:cNvPr>
+          <p:cNvPicPr>
+            <a:picLocks noChangeAspect="1"/>
+          </p:cNvPicPr>
+          <p:nvPr/>
+        </p:nvPicPr>
+        <p:blipFill>
+          <a:blip r:embed="rId2"/>
+          <a:stretch>
+            <a:fillRect/>
+          </a:stretch>
+        </p:blipFill>
+        <p:spPr>
+          <a:xfrm>
+            <a:off x="3647728" y="1531407"/>
+            <a:ext cx="8208912" cy="5017641"/>
+          </a:xfrm>
+          <a:prstGeom prst="rect">
+            <a:avLst/>
+          </a:prstGeom>
+        </p:spPr>
+      </p:pic>
+      <p:sp>
+        <p:nvSpPr>
+          <p:cNvPr id="10" name="TextBox 9">
+            <a:extLst>
+              <a:ext uri="{FF2B5EF4-FFF2-40B4-BE49-F238E27FC236}">
+                <a16:creationId xmlns:a16="http://schemas.microsoft.com/office/drawing/2014/main" id="{EFA9C81D-D37B-47AA-A4BD-1021A8939B34}"/>
+              </a:ext>
+            </a:extLst>
+          </p:cNvPr>
+          <p:cNvSpPr txBox="1"/>
+          <p:nvPr/>
+        </p:nvSpPr>
+        <p:spPr>
+          <a:xfrm>
+            <a:off x="508001" y="1988840"/>
+            <a:ext cx="2995711" cy="3416320"/>
+          </a:xfrm>
+          <a:prstGeom prst="rect">
+            <a:avLst/>
+          </a:prstGeom>
+          <a:noFill/>
+        </p:spPr>
+        <p:txBody>
+          <a:bodyPr wrap="square" rtlCol="0">
+            <a:spAutoFit/>
+          </a:bodyPr>
+          <a:lstStyle/>
+          <a:p>
+            <a:pPr marL="342900" indent="-342900">
+              <a:buFont typeface="+mj-lt"/>
+              <a:buAutoNum type="arabicPeriod"/>
+            </a:pPr>
+            <a:r>
+              <a:rPr lang="en-AU" dirty="0"/>
+              <a:t>Search for an IG by name or title</a:t>
+            </a:r>
+          </a:p>
+          <a:p>
+            <a:pPr marL="342900" indent="-342900">
+              <a:buFont typeface="+mj-lt"/>
+              <a:buAutoNum type="arabicPeriod"/>
+            </a:pPr>
+            <a:endParaRPr lang="en-AU" dirty="0"/>
+          </a:p>
+          <a:p>
+            <a:pPr marL="342900" indent="-342900">
+              <a:buFont typeface="+mj-lt"/>
+              <a:buAutoNum type="arabicPeriod"/>
+            </a:pPr>
+            <a:r>
+              <a:rPr lang="en-AU" dirty="0"/>
+              <a:t>Edit IG</a:t>
+            </a:r>
+          </a:p>
+          <a:p>
+            <a:pPr marL="342900" indent="-342900">
+              <a:buFont typeface="+mj-lt"/>
+              <a:buAutoNum type="arabicPeriod"/>
+            </a:pPr>
+            <a:endParaRPr lang="en-AU" dirty="0"/>
+          </a:p>
+          <a:p>
+            <a:pPr marL="342900" indent="-342900">
+              <a:buFont typeface="+mj-lt"/>
+              <a:buAutoNum type="arabicPeriod"/>
+            </a:pPr>
+            <a:r>
+              <a:rPr lang="en-AU" dirty="0"/>
+              <a:t>View published IG</a:t>
+            </a:r>
+          </a:p>
+          <a:p>
+            <a:pPr marL="342900" indent="-342900">
+              <a:buFont typeface="+mj-lt"/>
+              <a:buAutoNum type="arabicPeriod"/>
+            </a:pPr>
+            <a:endParaRPr lang="en-AU" dirty="0"/>
+          </a:p>
+          <a:p>
+            <a:pPr marL="342900" indent="-342900">
+              <a:buFont typeface="+mj-lt"/>
+              <a:buAutoNum type="arabicPeriod"/>
+            </a:pPr>
+            <a:r>
+              <a:rPr lang="en-AU" dirty="0"/>
+              <a:t>Delete IG</a:t>
+            </a:r>
+          </a:p>
+          <a:p>
+            <a:pPr marL="342900" indent="-342900">
+              <a:buFont typeface="+mj-lt"/>
+              <a:buAutoNum type="arabicPeriod"/>
+            </a:pPr>
+            <a:endParaRPr lang="en-AU" dirty="0"/>
+          </a:p>
+          <a:p>
+            <a:pPr marL="342900" indent="-342900">
+              <a:buFont typeface="+mj-lt"/>
+              <a:buAutoNum type="arabicPeriod"/>
+            </a:pPr>
+            <a:r>
+              <a:rPr lang="en-AU" dirty="0"/>
+              <a:t>Change ID</a:t>
+            </a:r>
+          </a:p>
+          <a:p>
+            <a:pPr marL="342900" indent="-342900">
+              <a:buFont typeface="+mj-lt"/>
+              <a:buAutoNum type="arabicPeriod"/>
+            </a:pPr>
+            <a:endParaRPr lang="en-AU" dirty="0"/>
+          </a:p>
+          <a:p>
+            <a:pPr marL="342900" indent="-342900">
+              <a:buFont typeface="+mj-lt"/>
+              <a:buAutoNum type="arabicPeriod"/>
+            </a:pPr>
+            <a:r>
+              <a:rPr lang="en-AU" dirty="0"/>
+              <a:t>Add/create new IG</a:t>
+            </a:r>
+            <a:endParaRPr lang="en-US" dirty="0"/>
+          </a:p>
+        </p:txBody>
+      </p:sp>
+      <p:sp>
+        <p:nvSpPr>
+          <p:cNvPr id="30" name="Speech Bubble: Rectangle with Corners Rounded 29">
+            <a:extLst>
+              <a:ext uri="{FF2B5EF4-FFF2-40B4-BE49-F238E27FC236}">
+                <a16:creationId xmlns:a16="http://schemas.microsoft.com/office/drawing/2014/main" id="{2F6F5F9A-2BCA-483D-BA60-3FCC9CA64132}"/>
+              </a:ext>
+            </a:extLst>
+          </p:cNvPr>
+          <p:cNvSpPr/>
+          <p:nvPr/>
+        </p:nvSpPr>
+        <p:spPr bwMode="auto">
+          <a:xfrm>
+            <a:off x="4799856" y="3429000"/>
+            <a:ext cx="360040" cy="360039"/>
+          </a:xfrm>
+          <a:prstGeom prst="wedgeRoundRectCallout">
+            <a:avLst>
+              <a:gd name="adj1" fmla="val -156449"/>
+              <a:gd name="adj2" fmla="val 121678"/>
+              <a:gd name="adj3" fmla="val 16667"/>
+            </a:avLst>
+          </a:prstGeom>
+          <a:ln>
+            <a:headEnd type="none" w="med" len="med"/>
+            <a:tailEnd type="none" w="med" len="med"/>
+          </a:ln>
+        </p:spPr>
+        <p:style>
+          <a:lnRef idx="2">
+            <a:schemeClr val="accent1"/>
+          </a:lnRef>
+          <a:fillRef idx="1">
+            <a:schemeClr val="lt1"/>
+          </a:fillRef>
+          <a:effectRef idx="0">
+            <a:schemeClr val="accent1"/>
+          </a:effectRef>
+          <a:fontRef idx="minor">
+            <a:schemeClr val="dk1"/>
+          </a:fontRef>
+        </p:style>
+        <p:txBody>
+          <a:bodyPr vert="horz" wrap="square" lIns="91440" tIns="45720" rIns="91440" bIns="45720" numCol="1" rtlCol="0" anchor="t" anchorCtr="0" compatLnSpc="1">
+            <a:prstTxWarp prst="textNoShape">
+              <a:avLst/>
+            </a:prstTxWarp>
+          </a:bodyPr>
+          <a:lstStyle/>
+          <a:p>
+            <a:pPr marL="0" marR="0" indent="0" algn="l" defTabSz="914400" rtl="0" eaLnBrk="0" fontAlgn="base" latinLnBrk="0" hangingPunct="0">
+              <a:lnSpc>
+                <a:spcPct val="100000"/>
+              </a:lnSpc>
+              <a:spcBef>
+                <a:spcPct val="0"/>
+              </a:spcBef>
+              <a:spcAft>
+                <a:spcPct val="0"/>
+              </a:spcAft>
+              <a:buClrTx/>
+              <a:buSzTx/>
+              <a:buFontTx/>
+              <a:buNone/>
+              <a:tabLst/>
+            </a:pPr>
+            <a:r>
+              <a:rPr kumimoji="0" lang="en-AU" sz="1800" b="0" i="0" u="none" strike="noStrike" cap="none" normalizeH="0" baseline="0" dirty="0">
+                <a:ln>
+                  <a:noFill/>
+                </a:ln>
+                <a:solidFill>
+                  <a:schemeClr val="tx1"/>
+                </a:solidFill>
+                <a:effectLst/>
+                <a:latin typeface="Arial" charset="0"/>
+              </a:rPr>
+              <a:t>1</a:t>
+            </a:r>
+            <a:endParaRPr kumimoji="0" lang="en-US" sz="1800" b="0" i="0" u="none" strike="noStrike" cap="none" normalizeH="0" baseline="0" dirty="0">
+              <a:ln>
+                <a:noFill/>
+              </a:ln>
+              <a:solidFill>
+                <a:schemeClr val="tx1"/>
+              </a:solidFill>
+              <a:effectLst/>
+              <a:latin typeface="Arial" charset="0"/>
+            </a:endParaRPr>
+          </a:p>
+        </p:txBody>
+      </p:sp>
+      <p:sp>
+        <p:nvSpPr>
+          <p:cNvPr id="31" name="Speech Bubble: Rectangle with Corners Rounded 30">
+            <a:extLst>
+              <a:ext uri="{FF2B5EF4-FFF2-40B4-BE49-F238E27FC236}">
+                <a16:creationId xmlns:a16="http://schemas.microsoft.com/office/drawing/2014/main" id="{388A8324-AC69-48F8-B94F-753C56349253}"/>
+              </a:ext>
+            </a:extLst>
+          </p:cNvPr>
+          <p:cNvSpPr/>
+          <p:nvPr/>
+        </p:nvSpPr>
+        <p:spPr bwMode="auto">
+          <a:xfrm>
+            <a:off x="9574575" y="5423389"/>
+            <a:ext cx="360040" cy="360039"/>
+          </a:xfrm>
+          <a:prstGeom prst="wedgeRoundRectCallout">
+            <a:avLst>
+              <a:gd name="adj1" fmla="val 262728"/>
+              <a:gd name="adj2" fmla="val 203048"/>
+              <a:gd name="adj3" fmla="val 16667"/>
+            </a:avLst>
+          </a:prstGeom>
+          <a:ln>
+            <a:headEnd type="none" w="med" len="med"/>
+            <a:tailEnd type="none" w="med" len="med"/>
+          </a:ln>
+        </p:spPr>
+        <p:style>
+          <a:lnRef idx="2">
+            <a:schemeClr val="accent1"/>
+          </a:lnRef>
+          <a:fillRef idx="1">
+            <a:schemeClr val="lt1"/>
+          </a:fillRef>
+          <a:effectRef idx="0">
+            <a:schemeClr val="accent1"/>
+          </a:effectRef>
+          <a:fontRef idx="minor">
+            <a:schemeClr val="dk1"/>
+          </a:fontRef>
+        </p:style>
+        <p:txBody>
+          <a:bodyPr vert="horz" wrap="square" lIns="91440" tIns="45720" rIns="91440" bIns="45720" numCol="1" rtlCol="0" anchor="t" anchorCtr="0" compatLnSpc="1">
+            <a:prstTxWarp prst="textNoShape">
+              <a:avLst/>
+            </a:prstTxWarp>
+          </a:bodyPr>
+          <a:lstStyle/>
+          <a:p>
+            <a:pPr marL="0" marR="0" indent="0" algn="l" defTabSz="914400" rtl="0" eaLnBrk="0" fontAlgn="base" latinLnBrk="0" hangingPunct="0">
+              <a:lnSpc>
+                <a:spcPct val="100000"/>
+              </a:lnSpc>
+              <a:spcBef>
+                <a:spcPct val="0"/>
+              </a:spcBef>
+              <a:spcAft>
+                <a:spcPct val="0"/>
+              </a:spcAft>
+              <a:buClrTx/>
+              <a:buSzTx/>
+              <a:buFontTx/>
+              <a:buNone/>
+              <a:tabLst/>
+            </a:pPr>
+            <a:r>
+              <a:rPr kumimoji="0" lang="en-AU" sz="1800" b="0" i="0" u="none" strike="noStrike" cap="none" normalizeH="0" baseline="0" dirty="0">
+                <a:ln>
+                  <a:noFill/>
+                </a:ln>
+                <a:solidFill>
+                  <a:schemeClr val="tx1"/>
+                </a:solidFill>
+                <a:effectLst/>
+                <a:latin typeface="Arial" charset="0"/>
+              </a:rPr>
+              <a:t>1</a:t>
+            </a:r>
+            <a:endParaRPr kumimoji="0" lang="en-US" sz="1800" b="0" i="0" u="none" strike="noStrike" cap="none" normalizeH="0" baseline="0" dirty="0">
+              <a:ln>
+                <a:noFill/>
+              </a:ln>
+              <a:solidFill>
+                <a:schemeClr val="tx1"/>
+              </a:solidFill>
+              <a:effectLst/>
+              <a:latin typeface="Arial" charset="0"/>
+            </a:endParaRPr>
+          </a:p>
+        </p:txBody>
+      </p:sp>
+      <p:sp>
+        <p:nvSpPr>
+          <p:cNvPr id="32" name="Speech Bubble: Rectangle with Corners Rounded 31">
+            <a:extLst>
+              <a:ext uri="{FF2B5EF4-FFF2-40B4-BE49-F238E27FC236}">
+                <a16:creationId xmlns:a16="http://schemas.microsoft.com/office/drawing/2014/main" id="{FFD73518-69EC-446F-803C-CEA505EF83F3}"/>
+              </a:ext>
+            </a:extLst>
+          </p:cNvPr>
+          <p:cNvSpPr/>
+          <p:nvPr/>
+        </p:nvSpPr>
+        <p:spPr bwMode="auto">
+          <a:xfrm>
+            <a:off x="10006623" y="5406393"/>
+            <a:ext cx="360040" cy="360039"/>
+          </a:xfrm>
+          <a:prstGeom prst="wedgeRoundRectCallout">
+            <a:avLst>
+              <a:gd name="adj1" fmla="val 220810"/>
+              <a:gd name="adj2" fmla="val 188253"/>
+              <a:gd name="adj3" fmla="val 16667"/>
+            </a:avLst>
+          </a:prstGeom>
+          <a:ln>
+            <a:headEnd type="none" w="med" len="med"/>
+            <a:tailEnd type="none" w="med" len="med"/>
+          </a:ln>
+        </p:spPr>
+        <p:style>
+          <a:lnRef idx="2">
+            <a:schemeClr val="accent1"/>
+          </a:lnRef>
+          <a:fillRef idx="1">
+            <a:schemeClr val="lt1"/>
+          </a:fillRef>
+          <a:effectRef idx="0">
+            <a:schemeClr val="accent1"/>
+          </a:effectRef>
+          <a:fontRef idx="minor">
+            <a:schemeClr val="dk1"/>
+          </a:fontRef>
+        </p:style>
+        <p:txBody>
+          <a:bodyPr vert="horz" wrap="square" lIns="91440" tIns="45720" rIns="91440" bIns="45720" numCol="1" rtlCol="0" anchor="t" anchorCtr="0" compatLnSpc="1">
+            <a:prstTxWarp prst="textNoShape">
+              <a:avLst/>
+            </a:prstTxWarp>
+          </a:bodyPr>
+          <a:lstStyle/>
+          <a:p>
+            <a:pPr marL="0" marR="0" indent="0" algn="l" defTabSz="914400" rtl="0" eaLnBrk="0" fontAlgn="base" latinLnBrk="0" hangingPunct="0">
+              <a:lnSpc>
+                <a:spcPct val="100000"/>
+              </a:lnSpc>
+              <a:spcBef>
+                <a:spcPct val="0"/>
+              </a:spcBef>
+              <a:spcAft>
+                <a:spcPct val="0"/>
+              </a:spcAft>
+              <a:buClrTx/>
+              <a:buSzTx/>
+              <a:buFontTx/>
+              <a:buNone/>
+              <a:tabLst/>
+            </a:pPr>
+            <a:r>
+              <a:rPr lang="en-AU" dirty="0">
+                <a:solidFill>
+                  <a:schemeClr val="tx1"/>
+                </a:solidFill>
+                <a:latin typeface="Arial" charset="0"/>
+              </a:rPr>
+              <a:t>3</a:t>
+            </a:r>
+            <a:endParaRPr kumimoji="0" lang="en-US" sz="1800" b="0" i="0" u="none" strike="noStrike" cap="none" normalizeH="0" baseline="0" dirty="0">
+              <a:ln>
+                <a:noFill/>
+              </a:ln>
+              <a:solidFill>
+                <a:schemeClr val="tx1"/>
+              </a:solidFill>
+              <a:effectLst/>
+              <a:latin typeface="Arial" charset="0"/>
+            </a:endParaRPr>
+          </a:p>
+        </p:txBody>
+      </p:sp>
+      <p:sp>
+        <p:nvSpPr>
+          <p:cNvPr id="33" name="Speech Bubble: Rectangle with Corners Rounded 32">
+            <a:extLst>
+              <a:ext uri="{FF2B5EF4-FFF2-40B4-BE49-F238E27FC236}">
+                <a16:creationId xmlns:a16="http://schemas.microsoft.com/office/drawing/2014/main" id="{DCF1A1EF-9D47-46C5-B98B-2CF31E22B86F}"/>
+              </a:ext>
+            </a:extLst>
+          </p:cNvPr>
+          <p:cNvSpPr/>
+          <p:nvPr/>
+        </p:nvSpPr>
+        <p:spPr bwMode="auto">
+          <a:xfrm>
+            <a:off x="10416480" y="5406393"/>
+            <a:ext cx="360040" cy="360039"/>
+          </a:xfrm>
+          <a:prstGeom prst="wedgeRoundRectCallout">
+            <a:avLst>
+              <a:gd name="adj1" fmla="val 171495"/>
+              <a:gd name="adj2" fmla="val 178391"/>
+              <a:gd name="adj3" fmla="val 16667"/>
+            </a:avLst>
+          </a:prstGeom>
+          <a:ln>
+            <a:headEnd type="none" w="med" len="med"/>
+            <a:tailEnd type="none" w="med" len="med"/>
+          </a:ln>
+        </p:spPr>
+        <p:style>
+          <a:lnRef idx="2">
+            <a:schemeClr val="accent1"/>
+          </a:lnRef>
+          <a:fillRef idx="1">
+            <a:schemeClr val="lt1"/>
+          </a:fillRef>
+          <a:effectRef idx="0">
+            <a:schemeClr val="accent1"/>
+          </a:effectRef>
+          <a:fontRef idx="minor">
+            <a:schemeClr val="dk1"/>
+          </a:fontRef>
+        </p:style>
+        <p:txBody>
+          <a:bodyPr vert="horz" wrap="square" lIns="91440" tIns="45720" rIns="91440" bIns="45720" numCol="1" rtlCol="0" anchor="t" anchorCtr="0" compatLnSpc="1">
+            <a:prstTxWarp prst="textNoShape">
+              <a:avLst/>
+            </a:prstTxWarp>
+          </a:bodyPr>
+          <a:lstStyle/>
+          <a:p>
+            <a:pPr marL="0" marR="0" indent="0" algn="l" defTabSz="914400" rtl="0" eaLnBrk="0" fontAlgn="base" latinLnBrk="0" hangingPunct="0">
+              <a:lnSpc>
+                <a:spcPct val="100000"/>
+              </a:lnSpc>
+              <a:spcBef>
+                <a:spcPct val="0"/>
+              </a:spcBef>
+              <a:spcAft>
+                <a:spcPct val="0"/>
+              </a:spcAft>
+              <a:buClrTx/>
+              <a:buSzTx/>
+              <a:buFontTx/>
+              <a:buNone/>
+              <a:tabLst/>
+            </a:pPr>
+            <a:r>
+              <a:rPr lang="en-AU" dirty="0">
+                <a:solidFill>
+                  <a:schemeClr val="tx1"/>
+                </a:solidFill>
+                <a:latin typeface="Arial" charset="0"/>
+              </a:rPr>
+              <a:t>4</a:t>
+            </a:r>
+            <a:endParaRPr kumimoji="0" lang="en-US" sz="1800" b="0" i="0" u="none" strike="noStrike" cap="none" normalizeH="0" baseline="0" dirty="0">
+              <a:ln>
+                <a:noFill/>
+              </a:ln>
+              <a:solidFill>
+                <a:schemeClr val="tx1"/>
+              </a:solidFill>
+              <a:effectLst/>
+              <a:latin typeface="Arial" charset="0"/>
+            </a:endParaRPr>
+          </a:p>
+        </p:txBody>
+      </p:sp>
+      <p:sp>
+        <p:nvSpPr>
+          <p:cNvPr id="34" name="Speech Bubble: Rectangle with Corners Rounded 33">
+            <a:extLst>
+              <a:ext uri="{FF2B5EF4-FFF2-40B4-BE49-F238E27FC236}">
+                <a16:creationId xmlns:a16="http://schemas.microsoft.com/office/drawing/2014/main" id="{7A044458-515F-4B24-83B5-0FC59832B8AA}"/>
+              </a:ext>
+            </a:extLst>
+          </p:cNvPr>
+          <p:cNvSpPr/>
+          <p:nvPr/>
+        </p:nvSpPr>
+        <p:spPr bwMode="auto">
+          <a:xfrm>
+            <a:off x="10848528" y="5406393"/>
+            <a:ext cx="360040" cy="360039"/>
+          </a:xfrm>
+          <a:prstGeom prst="wedgeRoundRectCallout">
+            <a:avLst>
+              <a:gd name="adj1" fmla="val 112317"/>
+              <a:gd name="adj2" fmla="val 185788"/>
+              <a:gd name="adj3" fmla="val 16667"/>
+            </a:avLst>
+          </a:prstGeom>
+          <a:ln>
+            <a:headEnd type="none" w="med" len="med"/>
+            <a:tailEnd type="none" w="med" len="med"/>
+          </a:ln>
+        </p:spPr>
+        <p:style>
+          <a:lnRef idx="2">
+            <a:schemeClr val="accent1"/>
+          </a:lnRef>
+          <a:fillRef idx="1">
+            <a:schemeClr val="lt1"/>
+          </a:fillRef>
+          <a:effectRef idx="0">
+            <a:schemeClr val="accent1"/>
+          </a:effectRef>
+          <a:fontRef idx="minor">
+            <a:schemeClr val="dk1"/>
+          </a:fontRef>
+        </p:style>
+        <p:txBody>
+          <a:bodyPr vert="horz" wrap="square" lIns="91440" tIns="45720" rIns="91440" bIns="45720" numCol="1" rtlCol="0" anchor="t" anchorCtr="0" compatLnSpc="1">
+            <a:prstTxWarp prst="textNoShape">
+              <a:avLst/>
+            </a:prstTxWarp>
+          </a:bodyPr>
+          <a:lstStyle/>
+          <a:p>
+            <a:pPr marL="0" marR="0" indent="0" algn="l" defTabSz="914400" rtl="0" eaLnBrk="0" fontAlgn="base" latinLnBrk="0" hangingPunct="0">
+              <a:lnSpc>
+                <a:spcPct val="100000"/>
+              </a:lnSpc>
+              <a:spcBef>
+                <a:spcPct val="0"/>
+              </a:spcBef>
+              <a:spcAft>
+                <a:spcPct val="0"/>
+              </a:spcAft>
+              <a:buClrTx/>
+              <a:buSzTx/>
+              <a:buFontTx/>
+              <a:buNone/>
+              <a:tabLst/>
+            </a:pPr>
+            <a:r>
+              <a:rPr kumimoji="0" lang="en-AU" sz="1800" b="0" i="0" u="none" strike="noStrike" cap="none" normalizeH="0" baseline="0" dirty="0">
+                <a:ln>
+                  <a:noFill/>
+                </a:ln>
+                <a:solidFill>
+                  <a:schemeClr val="tx1"/>
+                </a:solidFill>
+                <a:effectLst/>
+                <a:latin typeface="Arial" charset="0"/>
+              </a:rPr>
+              <a:t>5</a:t>
+            </a:r>
+            <a:endParaRPr kumimoji="0" lang="en-US" sz="1800" b="0" i="0" u="none" strike="noStrike" cap="none" normalizeH="0" baseline="0" dirty="0">
+              <a:ln>
+                <a:noFill/>
+              </a:ln>
+              <a:solidFill>
+                <a:schemeClr val="tx1"/>
+              </a:solidFill>
+              <a:effectLst/>
+              <a:latin typeface="Arial" charset="0"/>
+            </a:endParaRPr>
+          </a:p>
+        </p:txBody>
+      </p:sp>
+      <p:sp>
+        <p:nvSpPr>
+          <p:cNvPr id="35" name="Speech Bubble: Rectangle with Corners Rounded 34">
+            <a:extLst>
+              <a:ext uri="{FF2B5EF4-FFF2-40B4-BE49-F238E27FC236}">
+                <a16:creationId xmlns:a16="http://schemas.microsoft.com/office/drawing/2014/main" id="{B31A3D80-468F-4C42-8F25-6E13D044EC3D}"/>
+              </a:ext>
+            </a:extLst>
+          </p:cNvPr>
+          <p:cNvSpPr/>
+          <p:nvPr/>
+        </p:nvSpPr>
+        <p:spPr bwMode="auto">
+          <a:xfrm>
+            <a:off x="11208568" y="4869160"/>
+            <a:ext cx="360040" cy="360039"/>
+          </a:xfrm>
+          <a:prstGeom prst="wedgeRoundRectCallout">
+            <a:avLst>
+              <a:gd name="adj1" fmla="val 28482"/>
+              <a:gd name="adj2" fmla="val 225240"/>
+              <a:gd name="adj3" fmla="val 16667"/>
+            </a:avLst>
+          </a:prstGeom>
+          <a:ln>
+            <a:headEnd type="none" w="med" len="med"/>
+            <a:tailEnd type="none" w="med" len="med"/>
+          </a:ln>
+        </p:spPr>
+        <p:style>
+          <a:lnRef idx="2">
+            <a:schemeClr val="accent1"/>
+          </a:lnRef>
+          <a:fillRef idx="1">
+            <a:schemeClr val="lt1"/>
+          </a:fillRef>
+          <a:effectRef idx="0">
+            <a:schemeClr val="accent1"/>
+          </a:effectRef>
+          <a:fontRef idx="minor">
+            <a:schemeClr val="dk1"/>
+          </a:fontRef>
+        </p:style>
+        <p:txBody>
+          <a:bodyPr vert="horz" wrap="square" lIns="91440" tIns="45720" rIns="91440" bIns="45720" numCol="1" rtlCol="0" anchor="t" anchorCtr="0" compatLnSpc="1">
+            <a:prstTxWarp prst="textNoShape">
+              <a:avLst/>
+            </a:prstTxWarp>
+          </a:bodyPr>
+          <a:lstStyle/>
+          <a:p>
+            <a:pPr marL="0" marR="0" indent="0" algn="l" defTabSz="914400" rtl="0" eaLnBrk="0" fontAlgn="base" latinLnBrk="0" hangingPunct="0">
+              <a:lnSpc>
+                <a:spcPct val="100000"/>
+              </a:lnSpc>
+              <a:spcBef>
+                <a:spcPct val="0"/>
+              </a:spcBef>
+              <a:spcAft>
+                <a:spcPct val="0"/>
+              </a:spcAft>
+              <a:buClrTx/>
+              <a:buSzTx/>
+              <a:buFontTx/>
+              <a:buNone/>
+              <a:tabLst/>
+            </a:pPr>
+            <a:r>
+              <a:rPr lang="en-AU" dirty="0">
+                <a:solidFill>
+                  <a:schemeClr val="tx1"/>
+                </a:solidFill>
+                <a:latin typeface="Arial" charset="0"/>
+              </a:rPr>
+              <a:t>6</a:t>
+            </a:r>
+            <a:endParaRPr kumimoji="0" lang="en-US" sz="1800" b="0" i="0" u="none" strike="noStrike" cap="none" normalizeH="0" baseline="0" dirty="0">
+              <a:ln>
+                <a:noFill/>
+              </a:ln>
+              <a:solidFill>
+                <a:schemeClr val="tx1"/>
+              </a:solidFill>
+              <a:effectLst/>
+              <a:latin typeface="Arial" charset="0"/>
+            </a:endParaRPr>
           </a:p>
         </p:txBody>
       </p:sp>
     </p:spTree>
     <p:extLst>
       <p:ext uri="{BB962C8B-B14F-4D97-AF65-F5344CB8AC3E}">
-        <p14:creationId xmlns:p14="http://schemas.microsoft.com/office/powerpoint/2010/main" val="1129284226"/>
+        <p14:creationId xmlns:p14="http://schemas.microsoft.com/office/powerpoint/2010/main" val="872650551"/>
       </p:ext>
     </p:extLst>
   </p:cSld>
@@ -6137,7 +7883,7 @@
           <p:cNvPr id="2" name="Title 1">
             <a:extLst>
               <a:ext uri="{FF2B5EF4-FFF2-40B4-BE49-F238E27FC236}">
-                <a16:creationId xmlns:a16="http://schemas.microsoft.com/office/drawing/2014/main" id="{77CA7026-E9D5-4648-BC09-1D1AFBFDF71A}"/>
+                <a16:creationId xmlns:a16="http://schemas.microsoft.com/office/drawing/2014/main" id="{92B27504-08E0-43E1-86F8-6263CD5649AA}"/>
               </a:ext>
             </a:extLst>
           </p:cNvPr>
@@ -6150,48 +7896,131 @@
         </p:nvSpPr>
         <p:spPr/>
         <p:txBody>
-          <a:bodyPr>
-            <a:normAutofit fontScale="90000"/>
-          </a:bodyPr>
+          <a:bodyPr/>
           <a:lstStyle/>
           <a:p>
             <a:r>
               <a:rPr lang="en-AU" dirty="0"/>
-              <a:t>Creating and editing Profiles (StructureDefinition)</a:t>
+              <a:t>Creating an Implementation Guide</a:t>
             </a:r>
             <a:endParaRPr lang="en-US" dirty="0"/>
           </a:p>
         </p:txBody>
       </p:sp>
-      <p:sp>
-        <p:nvSpPr>
-          <p:cNvPr id="3" name="Content Placeholder 2">
+      <p:pic>
+        <p:nvPicPr>
+          <p:cNvPr id="4" name="Picture 3">
             <a:extLst>
               <a:ext uri="{FF2B5EF4-FFF2-40B4-BE49-F238E27FC236}">
-                <a16:creationId xmlns:a16="http://schemas.microsoft.com/office/drawing/2014/main" id="{47052D7C-C07C-4BB3-B16E-310FD24D8057}"/>
+                <a16:creationId xmlns:a16="http://schemas.microsoft.com/office/drawing/2014/main" id="{ED19F397-ED3D-487D-B915-0A8B9015069E}"/>
               </a:ext>
             </a:extLst>
           </p:cNvPr>
-          <p:cNvSpPr>
-            <a:spLocks noGrp="1"/>
-          </p:cNvSpPr>
-          <p:nvPr>
-            <p:ph idx="1"/>
-          </p:nvPr>
-        </p:nvSpPr>
-        <p:spPr/>
-        <p:txBody>
-          <a:bodyPr/>
+          <p:cNvPicPr>
+            <a:picLocks noChangeAspect="1"/>
+          </p:cNvPicPr>
+          <p:nvPr/>
+        </p:nvPicPr>
+        <p:blipFill>
+          <a:blip r:embed="rId2"/>
+          <a:stretch>
+            <a:fillRect/>
+          </a:stretch>
+        </p:blipFill>
+        <p:spPr>
+          <a:xfrm>
+            <a:off x="536527" y="1772816"/>
+            <a:ext cx="4964981" cy="1944216"/>
+          </a:xfrm>
+          <a:prstGeom prst="rect">
+            <a:avLst/>
+          </a:prstGeom>
+        </p:spPr>
+      </p:pic>
+      <p:pic>
+        <p:nvPicPr>
+          <p:cNvPr id="6" name="Picture 5">
+            <a:extLst>
+              <a:ext uri="{FF2B5EF4-FFF2-40B4-BE49-F238E27FC236}">
+                <a16:creationId xmlns:a16="http://schemas.microsoft.com/office/drawing/2014/main" id="{250A23B1-42DE-4A29-93B4-9E7AEDB3BC0F}"/>
+              </a:ext>
+            </a:extLst>
+          </p:cNvPr>
+          <p:cNvPicPr>
+            <a:picLocks noChangeAspect="1"/>
+          </p:cNvPicPr>
+          <p:nvPr/>
+        </p:nvPicPr>
+        <p:blipFill>
+          <a:blip r:embed="rId3"/>
+          <a:stretch>
+            <a:fillRect/>
+          </a:stretch>
+        </p:blipFill>
+        <p:spPr>
+          <a:xfrm>
+            <a:off x="3863752" y="2924944"/>
+            <a:ext cx="7613308" cy="3368889"/>
+          </a:xfrm>
+          <a:prstGeom prst="rect">
+            <a:avLst/>
+          </a:prstGeom>
+        </p:spPr>
+      </p:pic>
+      <p:sp>
+        <p:nvSpPr>
+          <p:cNvPr id="3" name="TextBox 2">
+            <a:extLst>
+              <a:ext uri="{FF2B5EF4-FFF2-40B4-BE49-F238E27FC236}">
+                <a16:creationId xmlns:a16="http://schemas.microsoft.com/office/drawing/2014/main" id="{835D5677-59B8-4480-98F3-82290CB31D6F}"/>
+              </a:ext>
+            </a:extLst>
+          </p:cNvPr>
+          <p:cNvSpPr txBox="1"/>
+          <p:nvPr/>
+        </p:nvSpPr>
+        <p:spPr>
+          <a:xfrm>
+            <a:off x="508001" y="4005064"/>
+            <a:ext cx="3067719" cy="923330"/>
+          </a:xfrm>
+          <a:prstGeom prst="rect">
+            <a:avLst/>
+          </a:prstGeom>
+          <a:noFill/>
+        </p:spPr>
+        <p:txBody>
+          <a:bodyPr wrap="square" rtlCol="0">
+            <a:spAutoFit/>
+          </a:bodyPr>
           <a:lstStyle/>
           <a:p>
-            <a:endParaRPr lang="en-US"/>
+            <a:pPr marL="285750" indent="-285750">
+              <a:buFont typeface="Arial" panose="020B0604020202020204" pitchFamily="34" charset="0"/>
+              <a:buChar char="•"/>
+            </a:pPr>
+            <a:r>
+              <a:rPr lang="en-AU" dirty="0"/>
+              <a:t>Browse/Edit Implementation Guides</a:t>
+            </a:r>
+          </a:p>
+          <a:p>
+            <a:pPr marL="285750" indent="-285750">
+              <a:buFont typeface="Arial" panose="020B0604020202020204" pitchFamily="34" charset="0"/>
+              <a:buChar char="•"/>
+            </a:pPr>
+            <a:r>
+              <a:rPr lang="en-AU" dirty="0"/>
+              <a:t>Click on + icon</a:t>
+            </a:r>
+            <a:endParaRPr lang="en-US" dirty="0"/>
           </a:p>
         </p:txBody>
       </p:sp>
     </p:spTree>
     <p:extLst>
       <p:ext uri="{BB962C8B-B14F-4D97-AF65-F5344CB8AC3E}">
-        <p14:creationId xmlns:p14="http://schemas.microsoft.com/office/powerpoint/2010/main" val="2925235065"/>
+        <p14:creationId xmlns:p14="http://schemas.microsoft.com/office/powerpoint/2010/main" val="1129284226"/>
       </p:ext>
     </p:extLst>
   </p:cSld>
